--- a/poster/poster.pptx
+++ b/poster/poster.pptx
@@ -2249,387 +2249,14 @@
       </p:grpSpPr>
       <p:sp>
         <p:nvSpPr>
-          <p:cNvPr id="21" name="Shape 21"/>
+          <p:cNvPr id="54" name="Shape 26"/>
           <p:cNvSpPr txBox="1"/>
           <p:nvPr/>
         </p:nvSpPr>
         <p:spPr>
           <a:xfrm>
-            <a:off x="163341" y="17161283"/>
-            <a:ext cx="4663738" cy="1757525"/>
-          </a:xfrm>
-          <a:prstGeom prst="rect">
-            <a:avLst/>
-          </a:prstGeom>
-          <a:solidFill>
-            <a:srgbClr val="CCECFF"/>
-          </a:solidFill>
-          <a:ln>
-            <a:noFill/>
-          </a:ln>
-        </p:spPr>
-        <p:txBody>
-          <a:bodyPr lIns="177782" tIns="177782" rIns="177782" bIns="177782" anchor="t" anchorCtr="0">
-            <a:noAutofit/>
-          </a:bodyPr>
-          <a:lstStyle/>
-          <a:p>
-            <a:pPr>
-              <a:buClr>
-                <a:schemeClr val="dk1"/>
-              </a:buClr>
-              <a:buSzPct val="25000"/>
-            </a:pPr>
-            <a:r>
-              <a:rPr lang="en-US" sz="1900" dirty="0">
-                <a:solidFill>
-                  <a:schemeClr val="dk1"/>
-                </a:solidFill>
-              </a:rPr>
-              <a:t>Project members:</a:t>
-            </a:r>
-          </a:p>
-          <a:p>
-            <a:pPr>
-              <a:buClr>
-                <a:schemeClr val="dk1"/>
-              </a:buClr>
-              <a:buSzPct val="25000"/>
-            </a:pPr>
-            <a:r>
-              <a:rPr lang="en-US" sz="1900" dirty="0">
-                <a:solidFill>
-                  <a:schemeClr val="dk1"/>
-                </a:solidFill>
-              </a:rPr>
-              <a:t>Shuochao Yao        &lt;syao9@iilinois.edu&gt;</a:t>
-            </a:r>
-          </a:p>
-          <a:p>
-            <a:pPr>
-              <a:buClr>
-                <a:schemeClr val="dk1"/>
-              </a:buClr>
-              <a:buSzPct val="25000"/>
-            </a:pPr>
-            <a:r>
-              <a:rPr lang="en-US" sz="1900" dirty="0">
-                <a:solidFill>
-                  <a:schemeClr val="dk1"/>
-                </a:solidFill>
-              </a:rPr>
-              <a:t>Qi Wang  	          &lt;qiwang11@iilinois.edu&gt;</a:t>
-            </a:r>
-          </a:p>
-          <a:p>
-            <a:pPr>
-              <a:buClr>
-                <a:schemeClr val="dk1"/>
-              </a:buClr>
-              <a:buSzPct val="25000"/>
-            </a:pPr>
-            <a:r>
-              <a:rPr lang="en-US" sz="1900" dirty="0" err="1">
-                <a:solidFill>
-                  <a:schemeClr val="dk1"/>
-                </a:solidFill>
-              </a:rPr>
-              <a:t>Guangxiang</a:t>
-            </a:r>
-            <a:r>
-              <a:rPr lang="en-US" sz="1900" dirty="0">
-                <a:solidFill>
-                  <a:schemeClr val="dk1"/>
-                </a:solidFill>
-              </a:rPr>
-              <a:t> Du       &lt;gdu3@illinois.edu&gt;</a:t>
-            </a:r>
-          </a:p>
-        </p:txBody>
-      </p:sp>
-      <p:sp>
-        <p:nvSpPr>
-          <p:cNvPr id="22" name="Shape 22"/>
-          <p:cNvSpPr txBox="1"/>
-          <p:nvPr/>
-        </p:nvSpPr>
-        <p:spPr>
-          <a:xfrm>
-            <a:off x="99452" y="4189533"/>
-            <a:ext cx="4941899" cy="9185275"/>
-          </a:xfrm>
-          <a:prstGeom prst="rect">
-            <a:avLst/>
-          </a:prstGeom>
-          <a:solidFill>
-            <a:srgbClr val="CCECFF"/>
-          </a:solidFill>
-          <a:ln>
-            <a:noFill/>
-          </a:ln>
-        </p:spPr>
-        <p:txBody>
-          <a:bodyPr lIns="177782" tIns="177782" rIns="177782" bIns="177782" anchor="t" anchorCtr="0">
-            <a:noAutofit/>
-          </a:bodyPr>
-          <a:lstStyle/>
-          <a:p>
-            <a:pPr>
-              <a:lnSpc>
-                <a:spcPct val="115000"/>
-              </a:lnSpc>
-              <a:buClr>
-                <a:schemeClr val="dk1"/>
-              </a:buClr>
-              <a:buSzPct val="45833"/>
-            </a:pPr>
-            <a:r>
-              <a:rPr lang="en-US" sz="1900">
-                <a:solidFill>
-                  <a:schemeClr val="dk1"/>
-                </a:solidFill>
-              </a:rPr>
-              <a:t>General speaking, our project is try to provide a short text (e.g Twitter) categorization.</a:t>
-            </a:r>
-          </a:p>
-          <a:p>
-            <a:pPr>
-              <a:lnSpc>
-                <a:spcPct val="115000"/>
-              </a:lnSpc>
-              <a:buClr>
-                <a:schemeClr val="dk1"/>
-              </a:buClr>
-            </a:pPr>
-            <a:endParaRPr sz="1900">
-              <a:solidFill>
-                <a:schemeClr val="dk1"/>
-              </a:solidFill>
-            </a:endParaRPr>
-          </a:p>
-          <a:p>
-            <a:pPr algn="just">
-              <a:lnSpc>
-                <a:spcPct val="115000"/>
-              </a:lnSpc>
-              <a:buClr>
-                <a:schemeClr val="dk1"/>
-              </a:buClr>
-              <a:buSzPct val="45833"/>
-            </a:pPr>
-            <a:r>
-              <a:rPr lang="en-US" sz="1900">
-                <a:solidFill>
-                  <a:schemeClr val="dk1"/>
-                </a:solidFill>
-              </a:rPr>
-              <a:t>Existing Challenges:</a:t>
-            </a:r>
-          </a:p>
-          <a:p>
-            <a:pPr marL="355564" indent="-296304" algn="just">
-              <a:buClr>
-                <a:schemeClr val="dk1"/>
-              </a:buClr>
-              <a:buSzPct val="100000"/>
-              <a:buAutoNum type="arabicPeriod"/>
-            </a:pPr>
-            <a:r>
-              <a:rPr lang="en-US" sz="1900">
-                <a:solidFill>
-                  <a:schemeClr val="dk1"/>
-                </a:solidFill>
-              </a:rPr>
-              <a:t>Short-texting categorization is quite different from text clustering and topic modelling, which needs addition manual understanding to provide labels for generated clusters or topics for each running.</a:t>
-            </a:r>
-          </a:p>
-          <a:p>
-            <a:pPr algn="just"/>
-            <a:endParaRPr sz="1900">
-              <a:solidFill>
-                <a:schemeClr val="dk1"/>
-              </a:solidFill>
-            </a:endParaRPr>
-          </a:p>
-          <a:p>
-            <a:pPr marL="355564" indent="-296304" algn="just">
-              <a:buClr>
-                <a:schemeClr val="dk1"/>
-              </a:buClr>
-              <a:buSzPct val="100000"/>
-              <a:buAutoNum type="arabicPeriod"/>
-            </a:pPr>
-            <a:r>
-              <a:rPr lang="en-US" sz="1900">
-                <a:solidFill>
-                  <a:schemeClr val="dk1"/>
-                </a:solidFill>
-              </a:rPr>
-              <a:t>In addition to providing label information to text data, short-texting categorization becomes a challenging problem due to its data sparsity and lack of statistical concurrence. Traditional or well-performed algorithm on documents and large corpus fail to finish its functionality with short text.</a:t>
-            </a:r>
-          </a:p>
-          <a:p>
-            <a:pPr algn="just"/>
-            <a:endParaRPr sz="1900">
-              <a:solidFill>
-                <a:schemeClr val="dk1"/>
-              </a:solidFill>
-            </a:endParaRPr>
-          </a:p>
-          <a:p>
-            <a:pPr marL="355564" indent="-296304" algn="just">
-              <a:buClr>
-                <a:schemeClr val="dk1"/>
-              </a:buClr>
-              <a:buSzPct val="100000"/>
-              <a:buAutoNum type="arabicPeriod"/>
-            </a:pPr>
-            <a:r>
-              <a:rPr lang="en-US" sz="1900">
-                <a:solidFill>
-                  <a:schemeClr val="dk1"/>
-                </a:solidFill>
-              </a:rPr>
-              <a:t>The composition of short-text embedding with word/phrase embedding has been extended with directly incorporating sentence embeddings into the training model. But the drawback is that embedding of new-coming sentences should need additional training.</a:t>
-            </a:r>
-          </a:p>
-        </p:txBody>
-      </p:sp>
-      <p:sp>
-        <p:nvSpPr>
-          <p:cNvPr id="23" name="Shape 23"/>
-          <p:cNvSpPr txBox="1"/>
-          <p:nvPr/>
-        </p:nvSpPr>
-        <p:spPr>
-          <a:xfrm>
-            <a:off x="2947956" y="0"/>
-            <a:ext cx="28131524" cy="1676400"/>
-          </a:xfrm>
-          <a:prstGeom prst="rect">
-            <a:avLst/>
-          </a:prstGeom>
-          <a:noFill/>
-          <a:ln>
-            <a:noFill/>
-          </a:ln>
-        </p:spPr>
-        <p:txBody>
-          <a:bodyPr lIns="355564" tIns="355564" rIns="355564" bIns="355564" anchor="ctr" anchorCtr="1">
-            <a:noAutofit/>
-          </a:bodyPr>
-          <a:lstStyle/>
-          <a:p>
-            <a:pPr algn="ctr">
-              <a:buClr>
-                <a:schemeClr val="dk1"/>
-              </a:buClr>
-              <a:buSzPct val="25000"/>
-            </a:pPr>
-            <a:r>
-              <a:rPr lang="en-US" sz="5600" dirty="0">
-                <a:solidFill>
-                  <a:schemeClr val="dk1"/>
-                </a:solidFill>
-                <a:latin typeface="Impact"/>
-                <a:ea typeface="Impact"/>
-                <a:cs typeface="Impact"/>
-                <a:sym typeface="Impact"/>
-              </a:rPr>
-              <a:t>Semantic Categorization for Short Text and Twitter Stream</a:t>
-            </a:r>
-          </a:p>
-        </p:txBody>
-      </p:sp>
-      <p:sp>
-        <p:nvSpPr>
-          <p:cNvPr id="24" name="Shape 24"/>
-          <p:cNvSpPr txBox="1"/>
-          <p:nvPr/>
-        </p:nvSpPr>
-        <p:spPr>
-          <a:xfrm>
-            <a:off x="2993309" y="1674943"/>
-            <a:ext cx="28086181" cy="1676400"/>
-          </a:xfrm>
-          <a:prstGeom prst="rect">
-            <a:avLst/>
-          </a:prstGeom>
-          <a:noFill/>
-          <a:ln>
-            <a:noFill/>
-          </a:ln>
-        </p:spPr>
-        <p:txBody>
-          <a:bodyPr lIns="355564" tIns="355564" rIns="355564" bIns="355564" anchor="ctr" anchorCtr="1">
-            <a:noAutofit/>
-          </a:bodyPr>
-          <a:lstStyle/>
-          <a:p>
-            <a:pPr algn="ctr">
-              <a:buClr>
-                <a:schemeClr val="dk1"/>
-              </a:buClr>
-              <a:buSzPct val="25000"/>
-            </a:pPr>
-            <a:r>
-              <a:rPr lang="en-US" sz="3700" dirty="0" smtClean="0">
-                <a:solidFill>
-                  <a:schemeClr val="dk1"/>
-                </a:solidFill>
-              </a:rPr>
-              <a:t>Yi Zhang, </a:t>
-            </a:r>
-            <a:r>
-              <a:rPr lang="en-US" sz="3700" dirty="0">
-                <a:solidFill>
-                  <a:schemeClr val="dk1"/>
-                </a:solidFill>
-              </a:rPr>
-              <a:t>Qi </a:t>
-            </a:r>
-            <a:r>
-              <a:rPr lang="en-US" sz="3700" dirty="0" smtClean="0">
-                <a:solidFill>
-                  <a:schemeClr val="dk1"/>
-                </a:solidFill>
-              </a:rPr>
-              <a:t>Wang</a:t>
-            </a:r>
-            <a:endParaRPr lang="en-US" sz="3700" dirty="0">
-              <a:solidFill>
-                <a:schemeClr val="dk1"/>
-              </a:solidFill>
-            </a:endParaRPr>
-          </a:p>
-          <a:p>
-            <a:pPr algn="ctr">
-              <a:buClr>
-                <a:schemeClr val="dk1"/>
-              </a:buClr>
-              <a:buSzPct val="25000"/>
-            </a:pPr>
-            <a:r>
-              <a:rPr lang="en-US" sz="3700" dirty="0">
-                <a:solidFill>
-                  <a:schemeClr val="dk1"/>
-                </a:solidFill>
-              </a:rPr>
-              <a:t>University of Illinois Urbana-Champaign</a:t>
-            </a:r>
-          </a:p>
-        </p:txBody>
-      </p:sp>
-      <p:sp>
-        <p:nvSpPr>
-          <p:cNvPr id="25" name="Shape 25"/>
-          <p:cNvSpPr txBox="1"/>
-          <p:nvPr/>
-        </p:nvSpPr>
-        <p:spPr>
-          <a:xfrm>
-            <a:off x="14244903" y="4189532"/>
-            <a:ext cx="7770063" cy="8378975"/>
+            <a:off x="21265087" y="4042053"/>
+            <a:ext cx="9159685" cy="11634664"/>
           </a:xfrm>
           <a:prstGeom prst="rect">
             <a:avLst/>
@@ -2647,25 +2274,217 @@
           </a:bodyPr>
           <a:lstStyle/>
           <a:p>
-            <a:pPr>
-              <a:buClr>
-                <a:schemeClr val="dk1"/>
-              </a:buClr>
-            </a:pPr>
-            <a:endParaRPr/>
+            <a:pPr marL="342900" indent="-342900">
+              <a:buFont typeface="Wingdings" charset="2"/>
+              <a:buChar char="§"/>
+            </a:pPr>
+            <a:endParaRPr lang="en-US" sz="2600" dirty="0" smtClean="0"/>
           </a:p>
         </p:txBody>
       </p:sp>
       <p:sp>
         <p:nvSpPr>
-          <p:cNvPr id="26" name="Shape 26"/>
+          <p:cNvPr id="23" name="Shape 23"/>
           <p:cNvSpPr txBox="1"/>
           <p:nvPr/>
         </p:nvSpPr>
         <p:spPr>
           <a:xfrm>
-            <a:off x="22661628" y="4189545"/>
-            <a:ext cx="7770150" cy="5833364"/>
+            <a:off x="2908269" y="0"/>
+            <a:ext cx="28131524" cy="1676400"/>
+          </a:xfrm>
+          <a:prstGeom prst="rect">
+            <a:avLst/>
+          </a:prstGeom>
+          <a:noFill/>
+          <a:ln>
+            <a:noFill/>
+          </a:ln>
+        </p:spPr>
+        <p:txBody>
+          <a:bodyPr lIns="355564" tIns="355564" rIns="355564" bIns="355564" anchor="ctr" anchorCtr="1">
+            <a:noAutofit/>
+          </a:bodyPr>
+          <a:lstStyle/>
+          <a:p>
+            <a:pPr algn="ctr">
+              <a:buClr>
+                <a:schemeClr val="dk1"/>
+              </a:buClr>
+              <a:buSzPct val="25000"/>
+            </a:pPr>
+            <a:r>
+              <a:rPr lang="en-US" sz="7200" dirty="0">
+                <a:solidFill>
+                  <a:schemeClr val="dk1"/>
+                </a:solidFill>
+                <a:latin typeface="Impact"/>
+                <a:ea typeface="Impact"/>
+                <a:cs typeface="Impact"/>
+                <a:sym typeface="Impact"/>
+              </a:rPr>
+              <a:t>Configurable and Adaptive </a:t>
+            </a:r>
+            <a:r>
+              <a:rPr lang="en-US" sz="7200" dirty="0" err="1">
+                <a:solidFill>
+                  <a:schemeClr val="dk1"/>
+                </a:solidFill>
+                <a:latin typeface="Impact"/>
+                <a:ea typeface="Impact"/>
+                <a:cs typeface="Impact"/>
+                <a:sym typeface="Impact"/>
+              </a:rPr>
+              <a:t>QoS</a:t>
+            </a:r>
+            <a:r>
+              <a:rPr lang="en-US" sz="7200" dirty="0">
+                <a:solidFill>
+                  <a:schemeClr val="dk1"/>
+                </a:solidFill>
+                <a:latin typeface="Impact"/>
+                <a:ea typeface="Impact"/>
+                <a:cs typeface="Impact"/>
+                <a:sym typeface="Impact"/>
+              </a:rPr>
+              <a:t> Management via SDN</a:t>
+            </a:r>
+          </a:p>
+        </p:txBody>
+      </p:sp>
+      <p:sp>
+        <p:nvSpPr>
+          <p:cNvPr id="24" name="Shape 24"/>
+          <p:cNvSpPr txBox="1"/>
+          <p:nvPr/>
+        </p:nvSpPr>
+        <p:spPr>
+          <a:xfrm>
+            <a:off x="2963732" y="1516192"/>
+            <a:ext cx="28086181" cy="1676400"/>
+          </a:xfrm>
+          <a:prstGeom prst="rect">
+            <a:avLst/>
+          </a:prstGeom>
+          <a:noFill/>
+          <a:ln>
+            <a:noFill/>
+          </a:ln>
+        </p:spPr>
+        <p:txBody>
+          <a:bodyPr lIns="355564" tIns="355564" rIns="355564" bIns="355564" anchor="ctr" anchorCtr="1">
+            <a:noAutofit/>
+          </a:bodyPr>
+          <a:lstStyle/>
+          <a:p>
+            <a:pPr algn="ctr">
+              <a:buClr>
+                <a:schemeClr val="dk1"/>
+              </a:buClr>
+              <a:buSzPct val="25000"/>
+            </a:pPr>
+            <a:r>
+              <a:rPr lang="en-US" sz="4000" dirty="0" smtClean="0">
+                <a:solidFill>
+                  <a:schemeClr val="dk1"/>
+                </a:solidFill>
+              </a:rPr>
+              <a:t>Yi </a:t>
+            </a:r>
+            <a:r>
+              <a:rPr lang="en-US" sz="4000" dirty="0">
+                <a:solidFill>
+                  <a:schemeClr val="dk1"/>
+                </a:solidFill>
+              </a:rPr>
+              <a:t>Zhang (yzhng173@illinois.edu) </a:t>
+            </a:r>
+            <a:r>
+              <a:rPr lang="en-US" sz="4000" dirty="0" smtClean="0">
+                <a:solidFill>
+                  <a:schemeClr val="dk1"/>
+                </a:solidFill>
+              </a:rPr>
+              <a:t>, </a:t>
+            </a:r>
+            <a:r>
+              <a:rPr lang="en-US" sz="4000" dirty="0">
+                <a:solidFill>
+                  <a:schemeClr val="dk1"/>
+                </a:solidFill>
+              </a:rPr>
+              <a:t>Qi </a:t>
+            </a:r>
+            <a:r>
+              <a:rPr lang="en-US" sz="4000" dirty="0" smtClean="0">
+                <a:solidFill>
+                  <a:schemeClr val="dk1"/>
+                </a:solidFill>
+              </a:rPr>
+              <a:t>Wang (qiwang11@illinois.edu)</a:t>
+            </a:r>
+          </a:p>
+          <a:p>
+            <a:pPr algn="ctr">
+              <a:buClr>
+                <a:schemeClr val="dk1"/>
+              </a:buClr>
+              <a:buSzPct val="25000"/>
+            </a:pPr>
+            <a:r>
+              <a:rPr lang="en-US" sz="3800" dirty="0"/>
+              <a:t>CS538 Advanced Computer Networks</a:t>
+            </a:r>
+            <a:endParaRPr lang="en-US" sz="3800" dirty="0">
+              <a:solidFill>
+                <a:schemeClr val="dk1"/>
+              </a:solidFill>
+            </a:endParaRPr>
+          </a:p>
+          <a:p>
+            <a:pPr algn="ctr">
+              <a:buClr>
+                <a:schemeClr val="dk1"/>
+              </a:buClr>
+              <a:buSzPct val="25000"/>
+            </a:pPr>
+            <a:r>
+              <a:rPr lang="en-US" sz="3800" dirty="0"/>
+              <a:t>Department of Computer </a:t>
+            </a:r>
+            <a:r>
+              <a:rPr lang="en-US" sz="3800" dirty="0" smtClean="0"/>
+              <a:t>Science, </a:t>
+            </a:r>
+            <a:r>
+              <a:rPr lang="en-US" sz="3800" dirty="0" smtClean="0">
+                <a:solidFill>
+                  <a:schemeClr val="dk1"/>
+                </a:solidFill>
+              </a:rPr>
+              <a:t>University </a:t>
+            </a:r>
+            <a:r>
+              <a:rPr lang="en-US" sz="3800" dirty="0">
+                <a:solidFill>
+                  <a:schemeClr val="dk1"/>
+                </a:solidFill>
+              </a:rPr>
+              <a:t>of Illinois Urbana-Champaign</a:t>
+            </a:r>
+          </a:p>
+        </p:txBody>
+      </p:sp>
+      <p:sp>
+        <p:nvSpPr>
+          <p:cNvPr id="25" name="Shape 25"/>
+          <p:cNvSpPr txBox="1"/>
+          <p:nvPr/>
+        </p:nvSpPr>
+        <p:spPr>
+          <a:xfrm>
+            <a:off x="9478813" y="4070471"/>
+            <a:ext cx="11078917" cy="7558081"/>
           </a:xfrm>
           <a:prstGeom prst="rect">
             <a:avLst/>
@@ -2683,301 +2502,27 @@
           </a:bodyPr>
           <a:lstStyle/>
           <a:p>
-            <a:pPr lvl="0">
-              <a:buClr>
-                <a:schemeClr val="dk1"/>
-              </a:buClr>
-              <a:buSzPct val="25000"/>
-            </a:pPr>
-            <a:r>
-              <a:rPr lang="en-US" sz="1900" dirty="0">
-                <a:solidFill>
-                  <a:schemeClr val="dk1"/>
-                </a:solidFill>
-              </a:rPr>
-              <a:t>Crawling Twitter with query like “#Category/Related Keywords” for data collection. For this evaluation, we test with mainly 14 general categories, i.e. </a:t>
-            </a:r>
-            <a:r>
-              <a:rPr lang="en-US" sz="1900" dirty="0" err="1">
-                <a:solidFill>
-                  <a:schemeClr val="dk1"/>
-                </a:solidFill>
-              </a:rPr>
-              <a:t>Law&amp;Politics</a:t>
-            </a:r>
-            <a:r>
-              <a:rPr lang="en-US" sz="1900" dirty="0">
-                <a:solidFill>
-                  <a:schemeClr val="dk1"/>
-                </a:solidFill>
-              </a:rPr>
-              <a:t>, Military, </a:t>
-            </a:r>
-            <a:r>
-              <a:rPr lang="en-US" sz="1900" dirty="0" err="1">
-                <a:solidFill>
-                  <a:schemeClr val="dk1"/>
-                </a:solidFill>
-              </a:rPr>
-              <a:t>Food&amp;Drink</a:t>
-            </a:r>
-            <a:r>
-              <a:rPr lang="en-US" sz="1900" dirty="0">
-                <a:solidFill>
-                  <a:schemeClr val="dk1"/>
-                </a:solidFill>
-              </a:rPr>
-              <a:t>, </a:t>
-            </a:r>
-            <a:r>
-              <a:rPr lang="en-US" sz="1900" dirty="0" err="1">
-                <a:solidFill>
-                  <a:schemeClr val="dk1"/>
-                </a:solidFill>
-              </a:rPr>
-              <a:t>Governemnt</a:t>
-            </a:r>
-            <a:r>
-              <a:rPr lang="en-US" sz="1900" dirty="0">
-                <a:solidFill>
-                  <a:schemeClr val="dk1"/>
-                </a:solidFill>
-              </a:rPr>
-              <a:t>, Business, </a:t>
-            </a:r>
-            <a:r>
-              <a:rPr lang="en-US" sz="1900" dirty="0" err="1">
-                <a:solidFill>
-                  <a:schemeClr val="dk1"/>
-                </a:solidFill>
-              </a:rPr>
-              <a:t>Science&amp;Engineering</a:t>
-            </a:r>
-            <a:r>
-              <a:rPr lang="en-US" sz="1900" dirty="0">
-                <a:solidFill>
-                  <a:schemeClr val="dk1"/>
-                </a:solidFill>
-              </a:rPr>
-              <a:t>,  </a:t>
-            </a:r>
-            <a:r>
-              <a:rPr lang="en-US" sz="1900" dirty="0" err="1">
-                <a:solidFill>
-                  <a:schemeClr val="dk1"/>
-                </a:solidFill>
-              </a:rPr>
-              <a:t>Fashion&amp;Clothing</a:t>
-            </a:r>
-            <a:r>
-              <a:rPr lang="en-US" sz="1900" dirty="0">
-                <a:solidFill>
-                  <a:schemeClr val="dk1"/>
-                </a:solidFill>
-              </a:rPr>
-              <a:t>, , Education, </a:t>
-            </a:r>
-            <a:r>
-              <a:rPr lang="en-US" altLang="zh-CN" sz="1900" dirty="0" err="1">
-                <a:solidFill>
-                  <a:schemeClr val="dk1"/>
-                </a:solidFill>
-              </a:rPr>
-              <a:t>Automative&amp;</a:t>
-            </a:r>
-            <a:r>
-              <a:rPr lang="en-US" sz="1900" dirty="0" err="1">
-                <a:solidFill>
-                  <a:schemeClr val="dk1"/>
-                </a:solidFill>
-              </a:rPr>
-              <a:t>Transportation</a:t>
-            </a:r>
-            <a:r>
-              <a:rPr lang="en-US" sz="1900" dirty="0">
-                <a:solidFill>
-                  <a:schemeClr val="dk1"/>
-                </a:solidFill>
-              </a:rPr>
-              <a:t>, </a:t>
-            </a:r>
-            <a:r>
-              <a:rPr lang="en-US" sz="1900" dirty="0" err="1">
-                <a:solidFill>
-                  <a:schemeClr val="dk1"/>
-                </a:solidFill>
-              </a:rPr>
-              <a:t>Interent&amp;Computer</a:t>
-            </a:r>
-            <a:r>
-              <a:rPr lang="en-US" sz="1900" dirty="0">
-                <a:solidFill>
-                  <a:schemeClr val="dk1"/>
-                </a:solidFill>
-              </a:rPr>
-              <a:t>, </a:t>
-            </a:r>
-            <a:r>
-              <a:rPr lang="en-US" sz="1900" dirty="0" err="1">
-                <a:solidFill>
-                  <a:schemeClr val="dk1"/>
-                </a:solidFill>
-              </a:rPr>
-              <a:t>Music&amp;Art&amp;Movies</a:t>
-            </a:r>
-            <a:r>
-              <a:rPr lang="en-US" sz="1900" dirty="0">
-                <a:solidFill>
-                  <a:schemeClr val="dk1"/>
-                </a:solidFill>
-              </a:rPr>
-              <a:t>, </a:t>
-            </a:r>
-            <a:r>
-              <a:rPr lang="en-US" sz="1900" dirty="0" err="1">
-                <a:solidFill>
-                  <a:schemeClr val="dk1"/>
-                </a:solidFill>
-              </a:rPr>
-              <a:t>Health&amp;Medicine</a:t>
-            </a:r>
-            <a:r>
-              <a:rPr lang="en-US" sz="1900" dirty="0">
-                <a:solidFill>
-                  <a:schemeClr val="dk1"/>
-                </a:solidFill>
-              </a:rPr>
-              <a:t>, and Religion. Each category contain 6-14 related keywords.</a:t>
-            </a:r>
-          </a:p>
-          <a:p>
             <a:pPr>
               <a:buClr>
                 <a:schemeClr val="dk1"/>
               </a:buClr>
             </a:pPr>
-            <a:endParaRPr sz="1900" dirty="0">
-              <a:solidFill>
-                <a:schemeClr val="dk1"/>
-              </a:solidFill>
-            </a:endParaRPr>
-          </a:p>
-          <a:p>
-            <a:pPr>
-              <a:buClr>
-                <a:schemeClr val="dk1"/>
-              </a:buClr>
-              <a:buSzPct val="25000"/>
-            </a:pPr>
-            <a:r>
-              <a:rPr lang="en-US" sz="1900" dirty="0">
-                <a:solidFill>
-                  <a:schemeClr val="dk1"/>
-                </a:solidFill>
-              </a:rPr>
-              <a:t>During testing, we delete the query “#Category/Related Keywords” appearing in tweets to ensure the algorithm not take the advantage of the specific queries we are using, but “understanding” what tweets are talking about.</a:t>
-            </a:r>
-          </a:p>
-          <a:p>
-            <a:pPr>
-              <a:buClr>
-                <a:schemeClr val="dk1"/>
-              </a:buClr>
-            </a:pPr>
-            <a:endParaRPr sz="1900" dirty="0">
-              <a:solidFill>
-                <a:schemeClr val="dk1"/>
-              </a:solidFill>
-            </a:endParaRPr>
-          </a:p>
-          <a:p>
-            <a:pPr>
-              <a:buClr>
-                <a:schemeClr val="dk1"/>
-              </a:buClr>
-              <a:buSzPct val="25000"/>
-            </a:pPr>
-            <a:r>
-              <a:rPr lang="en-US" sz="1900" dirty="0">
-                <a:solidFill>
-                  <a:schemeClr val="dk1"/>
-                </a:solidFill>
-              </a:rPr>
-              <a:t>We choose max-entropy model as baseline algorithm in this evaluation. We feed the max-entropy model with data we crawled from Twitter (about 100000 tweets and 16 big categories). But our algorithm doesn’t use any tweets for training.</a:t>
-            </a:r>
-          </a:p>
-          <a:p>
-            <a:pPr>
-              <a:buClr>
-                <a:schemeClr val="dk1"/>
-              </a:buClr>
-            </a:pPr>
-            <a:endParaRPr lang="en-US" sz="1900" dirty="0">
-              <a:solidFill>
-                <a:schemeClr val="dk1"/>
-              </a:solidFill>
-            </a:endParaRPr>
-          </a:p>
-          <a:p>
-            <a:pPr>
-              <a:buClr>
-                <a:schemeClr val="dk1"/>
-              </a:buClr>
-            </a:pPr>
-            <a:endParaRPr sz="1900" dirty="0">
-              <a:solidFill>
-                <a:schemeClr val="dk1"/>
-              </a:solidFill>
-            </a:endParaRPr>
-          </a:p>
-          <a:p>
-            <a:pPr>
-              <a:buClr>
-                <a:schemeClr val="dk1"/>
-              </a:buClr>
-            </a:pPr>
-            <a:endParaRPr sz="1900" dirty="0">
-              <a:solidFill>
-                <a:schemeClr val="dk1"/>
-              </a:solidFill>
-            </a:endParaRPr>
-          </a:p>
-          <a:p>
-            <a:pPr>
-              <a:buClr>
-                <a:schemeClr val="dk1"/>
-              </a:buClr>
-            </a:pPr>
-            <a:endParaRPr sz="1900" dirty="0">
-              <a:solidFill>
-                <a:schemeClr val="dk1"/>
-              </a:solidFill>
-            </a:endParaRPr>
-          </a:p>
-          <a:p>
-            <a:pPr>
-              <a:buClr>
-                <a:schemeClr val="dk1"/>
-              </a:buClr>
-            </a:pPr>
-            <a:endParaRPr sz="1900" dirty="0">
-              <a:solidFill>
-                <a:schemeClr val="dk1"/>
-              </a:solidFill>
-            </a:endParaRPr>
+            <a:endParaRPr/>
           </a:p>
         </p:txBody>
       </p:sp>
       <p:sp>
         <p:nvSpPr>
-          <p:cNvPr id="27" name="Shape 27"/>
-          <p:cNvSpPr txBox="1"/>
+          <p:cNvPr id="28" name="Shape 28"/>
+          <p:cNvSpPr txBox="1">
+            <a:spLocks noChangeAspect="1"/>
+          </p:cNvSpPr>
           <p:nvPr/>
         </p:nvSpPr>
         <p:spPr>
           <a:xfrm>
-            <a:off x="22661628" y="13674831"/>
-            <a:ext cx="7770150" cy="1735414"/>
+            <a:off x="548715" y="4030794"/>
+            <a:ext cx="8187977" cy="7558069"/>
           </a:xfrm>
           <a:prstGeom prst="rect">
             <a:avLst/>
@@ -2995,181 +2540,186 @@
           </a:bodyPr>
           <a:lstStyle/>
           <a:p>
-            <a:pPr>
-              <a:buClr>
-                <a:schemeClr val="dk1"/>
-              </a:buClr>
-              <a:buSzPct val="25000"/>
-            </a:pPr>
-            <a:r>
-              <a:rPr lang="en-US" sz="1900" dirty="0">
-                <a:solidFill>
-                  <a:schemeClr val="dk1"/>
-                </a:solidFill>
-              </a:rPr>
-              <a:t>The evaluation results illustrate that our embedding based algorithm perform much better than the existing supervised NLP algorithm. In addition, the distributed representation for </a:t>
-            </a:r>
-            <a:r>
-              <a:rPr lang="en-US" sz="1900">
-                <a:solidFill>
-                  <a:schemeClr val="dk1"/>
-                </a:solidFill>
-              </a:rPr>
-              <a:t>each tweet </a:t>
-            </a:r>
-            <a:r>
-              <a:rPr lang="en-US" sz="1900" dirty="0">
-                <a:solidFill>
-                  <a:schemeClr val="dk1"/>
-                </a:solidFill>
-              </a:rPr>
-              <a:t>the algorithm generating can be easily applied to other </a:t>
-            </a:r>
-            <a:r>
-              <a:rPr lang="en-US" sz="1900">
-                <a:solidFill>
-                  <a:schemeClr val="dk1"/>
-                </a:solidFill>
-              </a:rPr>
-              <a:t>related applications.</a:t>
-            </a:r>
-            <a:endParaRPr lang="en-US" sz="1900" dirty="0">
-              <a:solidFill>
-                <a:schemeClr val="dk1"/>
-              </a:solidFill>
-            </a:endParaRPr>
-          </a:p>
-        </p:txBody>
-      </p:sp>
-      <p:sp>
-        <p:nvSpPr>
-          <p:cNvPr id="28" name="Shape 28"/>
-          <p:cNvSpPr txBox="1"/>
-          <p:nvPr/>
-        </p:nvSpPr>
-        <p:spPr>
-          <a:xfrm>
-            <a:off x="5827051" y="4189546"/>
-            <a:ext cx="7770150" cy="7540890"/>
-          </a:xfrm>
-          <a:prstGeom prst="rect">
-            <a:avLst/>
-          </a:prstGeom>
-          <a:solidFill>
-            <a:srgbClr val="DDDDDD"/>
-          </a:solidFill>
-          <a:ln>
-            <a:noFill/>
-          </a:ln>
-        </p:spPr>
-        <p:txBody>
-          <a:bodyPr lIns="177782" tIns="177782" rIns="177782" bIns="177782" anchor="t" anchorCtr="0">
-            <a:noAutofit/>
-          </a:bodyPr>
-          <a:lstStyle/>
-          <a:p>
-            <a:pPr>
-              <a:buClr>
-                <a:schemeClr val="dk1"/>
-              </a:buClr>
-              <a:buSzPct val="45833"/>
-            </a:pPr>
-            <a:r>
-              <a:rPr lang="en-US" sz="2400" dirty="0">
-                <a:solidFill>
-                  <a:schemeClr val="dk1"/>
-                </a:solidFill>
-              </a:rPr>
-              <a:t>During the last decade we have witnessed an exponential growth of the amount of textual information being generated every day. Most of them are formed as short text. According to the statics revealed by Twitter, there are 58 million of tweets per day in average. Most of these short text are unstructured and noisy for algorithm to extract underlying semantic information easily, which become a bottleneck for application, such as fact finding in social network, event detecting and tracking from text, and so on. A kind of effort to solve this problem is short-text categorization. </a:t>
-            </a:r>
-          </a:p>
-          <a:p>
-            <a:pPr>
-              <a:buClr>
-                <a:schemeClr val="dk1"/>
-              </a:buClr>
-            </a:pPr>
-            <a:endParaRPr sz="1900" dirty="0">
-              <a:solidFill>
-                <a:schemeClr val="dk1"/>
-              </a:solidFill>
-            </a:endParaRPr>
-          </a:p>
-          <a:p>
-            <a:pPr>
-              <a:buClr>
-                <a:schemeClr val="dk1"/>
-              </a:buClr>
-              <a:buSzPct val="45833"/>
-            </a:pPr>
-            <a:r>
-              <a:rPr lang="en-US" sz="1900" dirty="0">
-                <a:solidFill>
-                  <a:schemeClr val="dk1"/>
-                </a:solidFill>
-              </a:rPr>
-              <a:t>Short-texting categorization is quite different from text clustering  and topic </a:t>
-            </a:r>
-            <a:r>
-              <a:rPr lang="en-US" sz="1900" dirty="0" err="1">
-                <a:solidFill>
-                  <a:schemeClr val="dk1"/>
-                </a:solidFill>
-              </a:rPr>
-              <a:t>modelling</a:t>
-            </a:r>
-            <a:r>
-              <a:rPr lang="en-US" sz="1900" dirty="0">
-                <a:solidFill>
-                  <a:schemeClr val="dk1"/>
-                </a:solidFill>
-              </a:rPr>
-              <a:t>, which needs addition manual understanding to provide labels for generated clusters or topics for each running. But for large scale application for various propose. Effort should be made that try to decrease or even eliminate the long-lasting participation of human in this critical task. </a:t>
-            </a:r>
-          </a:p>
-          <a:p>
-            <a:pPr>
-              <a:buClr>
-                <a:schemeClr val="dk1"/>
-              </a:buClr>
-            </a:pPr>
-            <a:endParaRPr sz="1900" dirty="0">
-              <a:solidFill>
-                <a:schemeClr val="dk1"/>
-              </a:solidFill>
-            </a:endParaRPr>
-          </a:p>
-          <a:p>
-            <a:pPr>
-              <a:buClr>
-                <a:schemeClr val="dk1"/>
-              </a:buClr>
-              <a:buSzPct val="45833"/>
-            </a:pPr>
-            <a:r>
-              <a:rPr lang="en-US" sz="1900" dirty="0">
-                <a:solidFill>
-                  <a:schemeClr val="dk1"/>
-                </a:solidFill>
-              </a:rPr>
-              <a:t>In addition to providing label information to text data, short-texting categorization becomes a challenging problem due to its data </a:t>
-            </a:r>
-            <a:r>
-              <a:rPr lang="en-US" sz="1900" dirty="0" err="1">
-                <a:solidFill>
-                  <a:schemeClr val="dk1"/>
-                </a:solidFill>
-              </a:rPr>
-              <a:t>sparsity</a:t>
-            </a:r>
-            <a:r>
-              <a:rPr lang="en-US" sz="1900" dirty="0">
-                <a:solidFill>
-                  <a:schemeClr val="dk1"/>
-                </a:solidFill>
-              </a:rPr>
-              <a:t> and lack of statistical concurrence. Traditional or well-performed algorithm on documents and large corpus fail to finish its functionality with short text. </a:t>
-            </a:r>
+            <a:pPr marL="342900" indent="-342900">
+              <a:buFont typeface="Wingdings" charset="2"/>
+              <a:buChar char="§"/>
+            </a:pPr>
+            <a:r>
+              <a:rPr lang="en-US" sz="2600" dirty="0"/>
+              <a:t>Bandwidth in a </a:t>
+            </a:r>
+            <a:r>
+              <a:rPr lang="en-US" sz="2600" dirty="0" smtClean="0"/>
+              <a:t>network</a:t>
+            </a:r>
+            <a:r>
+              <a:rPr lang="en-US" sz="2600" dirty="0"/>
+              <a:t>(e.g. home) is </a:t>
+            </a:r>
+            <a:r>
+              <a:rPr lang="en-US" sz="2600" dirty="0" smtClean="0"/>
+              <a:t>limited</a:t>
+            </a:r>
+          </a:p>
+          <a:p>
+            <a:pPr marL="342900" indent="-342900">
+              <a:buFont typeface="Wingdings" charset="2"/>
+              <a:buChar char="§"/>
+            </a:pPr>
+            <a:r>
+              <a:rPr lang="en-US" sz="2600" dirty="0"/>
+              <a:t>Users demand certain levels of Quality of Service (</a:t>
+            </a:r>
+            <a:r>
+              <a:rPr lang="en-US" sz="2600" dirty="0" err="1"/>
+              <a:t>QoS</a:t>
+            </a:r>
+            <a:r>
+              <a:rPr lang="en-US" sz="2600" dirty="0"/>
+              <a:t>) for difference </a:t>
+            </a:r>
+            <a:r>
+              <a:rPr lang="en-US" sz="2600" dirty="0" smtClean="0"/>
+              <a:t>services</a:t>
+            </a:r>
+          </a:p>
+          <a:p>
+            <a:pPr marL="342900" indent="-342900">
+              <a:buFont typeface="Wingdings" charset="2"/>
+              <a:buChar char="§"/>
+            </a:pPr>
+            <a:r>
+              <a:rPr lang="en-US" sz="2800" dirty="0"/>
+              <a:t>Users’ demands may change based on different </a:t>
+            </a:r>
+            <a:r>
+              <a:rPr lang="en-US" sz="2800" dirty="0" smtClean="0"/>
+              <a:t>scenarios</a:t>
+            </a:r>
+          </a:p>
+          <a:p>
+            <a:pPr marL="342900" indent="-342900">
+              <a:buFont typeface="Wingdings" charset="2"/>
+              <a:buChar char="§"/>
+            </a:pPr>
+            <a:r>
+              <a:rPr lang="en-US" sz="2800" dirty="0"/>
+              <a:t>U</a:t>
+            </a:r>
+            <a:r>
+              <a:rPr lang="en-US" sz="2800" dirty="0" smtClean="0"/>
+              <a:t>sers </a:t>
+            </a:r>
+            <a:r>
+              <a:rPr lang="en-US" sz="2800" dirty="0"/>
+              <a:t>are not </a:t>
+            </a:r>
+            <a:r>
+              <a:rPr lang="en-US" sz="2800" dirty="0" smtClean="0"/>
+              <a:t>savvy enough to</a:t>
+            </a:r>
+            <a:r>
+              <a:rPr lang="en-US" sz="2800" dirty="0" smtClean="0"/>
+              <a:t> </a:t>
+            </a:r>
+            <a:r>
+              <a:rPr lang="en-US" sz="2800" dirty="0"/>
+              <a:t>configure the underlying network to meet their </a:t>
+            </a:r>
+            <a:r>
+              <a:rPr lang="en-US" sz="2800" dirty="0" smtClean="0"/>
+              <a:t>needs</a:t>
+            </a:r>
+          </a:p>
+          <a:p>
+            <a:pPr marL="342900" indent="-342900">
+              <a:buFont typeface="Wingdings" charset="2"/>
+              <a:buChar char="§"/>
+            </a:pPr>
+            <a:r>
+              <a:rPr lang="en-US" sz="2800" dirty="0" smtClean="0"/>
+              <a:t>We want to </a:t>
+            </a:r>
+            <a:r>
+              <a:rPr lang="en-US" sz="2800" dirty="0" smtClean="0"/>
+              <a:t>enable users to </a:t>
+            </a:r>
+            <a:r>
+              <a:rPr lang="en-US" sz="2800" dirty="0" smtClean="0"/>
+              <a:t>configure </a:t>
+            </a:r>
+            <a:r>
+              <a:rPr lang="en-US" sz="2800" dirty="0" err="1" smtClean="0"/>
+              <a:t>QoS</a:t>
+            </a:r>
+            <a:r>
+              <a:rPr lang="en-US" sz="2800" dirty="0" smtClean="0"/>
+              <a:t> at </a:t>
+            </a:r>
+            <a:r>
+              <a:rPr lang="en-US" sz="2800" dirty="0"/>
+              <a:t>r</a:t>
+            </a:r>
+            <a:r>
+              <a:rPr lang="en-US" sz="2800" dirty="0" smtClean="0"/>
+              <a:t>untime</a:t>
+            </a:r>
+          </a:p>
+          <a:p>
+            <a:pPr marL="342900" indent="-342900">
+              <a:buFont typeface="Wingdings" charset="2"/>
+              <a:buChar char="§"/>
+            </a:pPr>
+            <a:endParaRPr lang="en-US" sz="2800" dirty="0"/>
+          </a:p>
+          <a:p>
+            <a:pPr marL="342900" indent="-342900">
+              <a:buFont typeface="Wingdings" charset="2"/>
+              <a:buChar char="§"/>
+            </a:pPr>
+            <a:endParaRPr lang="en-US" sz="2800" dirty="0" smtClean="0"/>
+          </a:p>
+          <a:p>
+            <a:pPr marL="342900" indent="-342900">
+              <a:buFont typeface="Wingdings" charset="2"/>
+              <a:buChar char="§"/>
+            </a:pPr>
+            <a:endParaRPr lang="en-US" sz="2800" dirty="0"/>
+          </a:p>
+          <a:p>
+            <a:pPr marL="342900" indent="-342900">
+              <a:buFont typeface="Wingdings" charset="2"/>
+              <a:buChar char="§"/>
+            </a:pPr>
+            <a:endParaRPr lang="en-US" sz="2600" dirty="0" smtClean="0"/>
+          </a:p>
+          <a:p>
+            <a:pPr marL="342900" indent="-342900">
+              <a:buFont typeface="Wingdings" charset="2"/>
+              <a:buChar char="§"/>
+            </a:pPr>
+            <a:endParaRPr lang="en-US" sz="2500" dirty="0" smtClean="0"/>
+          </a:p>
+          <a:p>
+            <a:endParaRPr lang="en-US" sz="2500" dirty="0"/>
+          </a:p>
+          <a:p>
+            <a:endParaRPr lang="en-US" sz="2500" dirty="0" smtClean="0"/>
+          </a:p>
+          <a:p>
+            <a:endParaRPr lang="en-US" sz="2000" dirty="0"/>
+          </a:p>
+          <a:p>
+            <a:endParaRPr lang="en-US" sz="2000" dirty="0" smtClean="0"/>
+          </a:p>
+          <a:p>
+            <a:endParaRPr lang="en-US" sz="2000" dirty="0"/>
+          </a:p>
+          <a:p>
+            <a:endParaRPr lang="en-US" sz="2000" dirty="0" smtClean="0"/>
+          </a:p>
+          <a:p>
+            <a:endParaRPr lang="en-US" sz="2000" dirty="0"/>
           </a:p>
         </p:txBody>
       </p:sp>
@@ -3181,7 +2731,62 @@
         </p:nvSpPr>
         <p:spPr>
           <a:xfrm>
-            <a:off x="5827051" y="3351344"/>
+            <a:off x="480671" y="3305985"/>
+            <a:ext cx="8680669" cy="867059"/>
+          </a:xfrm>
+          <a:prstGeom prst="rect">
+            <a:avLst/>
+          </a:prstGeom>
+          <a:noFill/>
+          <a:ln>
+            <a:noFill/>
+          </a:ln>
+        </p:spPr>
+        <p:txBody>
+          <a:bodyPr lIns="177782" tIns="177782" rIns="177782" bIns="177782" anchor="ctr" anchorCtr="1">
+            <a:noAutofit/>
+          </a:bodyPr>
+          <a:lstStyle/>
+          <a:p>
+            <a:pPr>
+              <a:buClr>
+                <a:schemeClr val="dk1"/>
+              </a:buClr>
+              <a:buSzPct val="25000"/>
+            </a:pPr>
+            <a:r>
+              <a:rPr lang="en-US" sz="3200" dirty="0" smtClean="0">
+                <a:solidFill>
+                  <a:schemeClr val="dk1"/>
+                </a:solidFill>
+                <a:latin typeface="Impact"/>
+                <a:ea typeface="Impact"/>
+                <a:cs typeface="Impact"/>
+                <a:sym typeface="Impact"/>
+              </a:rPr>
+              <a:t>MOTIVATION</a:t>
+            </a:r>
+            <a:endParaRPr lang="en-US" sz="3100" dirty="0">
+              <a:solidFill>
+                <a:schemeClr val="dk1"/>
+              </a:solidFill>
+              <a:latin typeface="Impact"/>
+              <a:ea typeface="Impact"/>
+              <a:cs typeface="Impact"/>
+              <a:sym typeface="Impact"/>
+            </a:endParaRPr>
+          </a:p>
+        </p:txBody>
+      </p:sp>
+      <p:sp>
+        <p:nvSpPr>
+          <p:cNvPr id="30" name="Shape 30"/>
+          <p:cNvSpPr txBox="1"/>
+          <p:nvPr/>
+        </p:nvSpPr>
+        <p:spPr>
+          <a:xfrm>
+            <a:off x="548714" y="11571681"/>
             <a:ext cx="7770150" cy="838200"/>
           </a:xfrm>
           <a:prstGeom prst="rect">
@@ -3202,33 +2807,21 @@
               <a:buClr>
                 <a:schemeClr val="dk1"/>
               </a:buClr>
-              <a:buSzPct val="25000"/>
-            </a:pPr>
-            <a:r>
-              <a:rPr lang="en-US" sz="3100" dirty="0">
-                <a:solidFill>
-                  <a:schemeClr val="dk1"/>
-                </a:solidFill>
-                <a:latin typeface="Impact"/>
-                <a:ea typeface="Impact"/>
-                <a:cs typeface="Impact"/>
-                <a:sym typeface="Impact"/>
-              </a:rPr>
-              <a:t>INTRODUCTION</a:t>
-            </a:r>
+            </a:pPr>
+            <a:endParaRPr/>
           </a:p>
         </p:txBody>
       </p:sp>
       <p:sp>
         <p:nvSpPr>
-          <p:cNvPr id="30" name="Shape 30"/>
+          <p:cNvPr id="32" name="Shape 32"/>
           <p:cNvSpPr txBox="1"/>
           <p:nvPr/>
         </p:nvSpPr>
         <p:spPr>
           <a:xfrm>
-            <a:off x="5827051" y="11730433"/>
-            <a:ext cx="7770150" cy="838200"/>
+            <a:off x="21439648" y="15552042"/>
+            <a:ext cx="9008314" cy="960920"/>
           </a:xfrm>
           <a:prstGeom prst="rect">
             <a:avLst/>
@@ -3248,186 +2841,42 @@
               <a:buClr>
                 <a:schemeClr val="dk1"/>
               </a:buClr>
-            </a:pPr>
-            <a:endParaRPr/>
+              <a:buSzPct val="25000"/>
+            </a:pPr>
+            <a:r>
+              <a:rPr lang="en-US" sz="3200" dirty="0">
+                <a:solidFill>
+                  <a:schemeClr val="dk1"/>
+                </a:solidFill>
+                <a:latin typeface="Impact"/>
+                <a:ea typeface="Impact"/>
+                <a:cs typeface="Impact"/>
+                <a:sym typeface="Impact"/>
+              </a:rPr>
+              <a:t>CONCLUSIONS</a:t>
+            </a:r>
+            <a:endParaRPr lang="en-US" sz="3100" dirty="0">
+              <a:solidFill>
+                <a:schemeClr val="dk1"/>
+              </a:solidFill>
+              <a:latin typeface="Impact"/>
+              <a:ea typeface="Impact"/>
+              <a:cs typeface="Impact"/>
+              <a:sym typeface="Impact"/>
+            </a:endParaRPr>
           </a:p>
         </p:txBody>
       </p:sp>
       <p:sp>
         <p:nvSpPr>
-          <p:cNvPr id="31" name="Shape 31"/>
+          <p:cNvPr id="33" name="Shape 33"/>
           <p:cNvSpPr txBox="1"/>
           <p:nvPr/>
         </p:nvSpPr>
         <p:spPr>
           <a:xfrm>
-            <a:off x="22661628" y="16339079"/>
-            <a:ext cx="7770150" cy="2932244"/>
-          </a:xfrm>
-          <a:prstGeom prst="rect">
-            <a:avLst/>
-          </a:prstGeom>
-          <a:solidFill>
-            <a:srgbClr val="DDDDDD"/>
-          </a:solidFill>
-          <a:ln>
-            <a:noFill/>
-          </a:ln>
-        </p:spPr>
-        <p:txBody>
-          <a:bodyPr lIns="177782" tIns="177782" rIns="177782" bIns="177782" anchor="t" anchorCtr="0">
-            <a:noAutofit/>
-          </a:bodyPr>
-          <a:lstStyle/>
-          <a:p>
-            <a:pPr marL="355564" indent="-355564">
-              <a:buClr>
-                <a:schemeClr val="dk1"/>
-              </a:buClr>
-              <a:buSzPct val="100000"/>
-              <a:buFont typeface="Arial"/>
-              <a:buAutoNum type="arabicPeriod"/>
-            </a:pPr>
-            <a:r>
-              <a:rPr lang="en-US" altLang="zh-CN" sz="1900" dirty="0"/>
-              <a:t>Tomas </a:t>
-            </a:r>
-            <a:r>
-              <a:rPr lang="en-US" altLang="zh-CN" sz="1900" dirty="0" err="1"/>
-              <a:t>Mikolov</a:t>
-            </a:r>
-            <a:r>
-              <a:rPr lang="en-US" altLang="zh-CN" sz="1900" dirty="0"/>
-              <a:t>, </a:t>
-            </a:r>
-            <a:r>
-              <a:rPr lang="en-US" altLang="zh-CN" sz="1900" dirty="0" err="1"/>
-              <a:t>Ilya</a:t>
-            </a:r>
-            <a:r>
-              <a:rPr lang="en-US" altLang="zh-CN" sz="1900" dirty="0"/>
-              <a:t> </a:t>
-            </a:r>
-            <a:r>
-              <a:rPr lang="en-US" altLang="zh-CN" sz="1900" dirty="0" err="1"/>
-              <a:t>Sutskever</a:t>
-            </a:r>
-            <a:r>
-              <a:rPr lang="en-US" altLang="zh-CN" sz="1900" dirty="0"/>
-              <a:t>, Kai Chen, Greg S </a:t>
-            </a:r>
-            <a:r>
-              <a:rPr lang="en-US" altLang="zh-CN" sz="1900" dirty="0" err="1"/>
-              <a:t>Corrado</a:t>
-            </a:r>
-            <a:r>
-              <a:rPr lang="en-US" altLang="zh-CN" sz="1900" dirty="0"/>
-              <a:t>, and Jeff Dean. Distributed representations of words and phrases and their compositionality. In </a:t>
-            </a:r>
-            <a:r>
-              <a:rPr lang="en-US" altLang="zh-CN" sz="1900" dirty="0">
-                <a:solidFill>
-                  <a:schemeClr val="dk1"/>
-                </a:solidFill>
-              </a:rPr>
-              <a:t>NIPS 13</a:t>
-            </a:r>
-          </a:p>
-          <a:p>
-            <a:pPr marL="355564" indent="-355564">
-              <a:buClr>
-                <a:schemeClr val="dk1"/>
-              </a:buClr>
-              <a:buSzPct val="100000"/>
-              <a:buFont typeface="Arial"/>
-              <a:buAutoNum type="arabicPeriod"/>
-            </a:pPr>
-            <a:r>
-              <a:rPr lang="en-US" altLang="zh-CN" sz="1900" dirty="0"/>
-              <a:t>Tomas </a:t>
-            </a:r>
-            <a:r>
-              <a:rPr lang="en-US" altLang="zh-CN" sz="1900" dirty="0" err="1"/>
-              <a:t>Mikolov</a:t>
-            </a:r>
-            <a:r>
-              <a:rPr lang="en-US" altLang="zh-CN" sz="1900" dirty="0"/>
-              <a:t>, Kai Chen, Greg </a:t>
-            </a:r>
-            <a:r>
-              <a:rPr lang="en-US" altLang="zh-CN" sz="1900" dirty="0" err="1"/>
-              <a:t>Corrado</a:t>
-            </a:r>
-            <a:r>
-              <a:rPr lang="en-US" altLang="zh-CN" sz="1900" dirty="0"/>
-              <a:t>, and Jeffrey Dean. Efficient estimation of word representations in vector space. </a:t>
-            </a:r>
-            <a:r>
-              <a:rPr lang="en-US" altLang="zh-CN" sz="1900" dirty="0" err="1"/>
-              <a:t>arXiv</a:t>
-            </a:r>
-            <a:r>
-              <a:rPr lang="en-US" altLang="zh-CN" sz="1900" dirty="0"/>
-              <a:t> preprint arXiv:1301.3781, 2013. </a:t>
-            </a:r>
-          </a:p>
-          <a:p>
-            <a:pPr marL="355564" indent="-355564">
-              <a:buClr>
-                <a:schemeClr val="dk1"/>
-              </a:buClr>
-              <a:buSzPct val="100000"/>
-              <a:buFont typeface="Arial"/>
-              <a:buAutoNum type="arabicPeriod"/>
-            </a:pPr>
-            <a:r>
-              <a:rPr lang="en-US" altLang="zh-CN" sz="1900" dirty="0" err="1"/>
-              <a:t>Quoc</a:t>
-            </a:r>
-            <a:r>
-              <a:rPr lang="en-US" altLang="zh-CN" sz="1900" dirty="0"/>
-              <a:t> V Le and Tomas </a:t>
-            </a:r>
-            <a:r>
-              <a:rPr lang="en-US" altLang="zh-CN" sz="1900" dirty="0" err="1"/>
-              <a:t>Mikolov</a:t>
-            </a:r>
-            <a:r>
-              <a:rPr lang="en-US" altLang="zh-CN" sz="1900" dirty="0"/>
-              <a:t>. Distributed representations of sentences and documents. </a:t>
-            </a:r>
-            <a:r>
-              <a:rPr lang="en-US" altLang="zh-CN" sz="1900" dirty="0" err="1"/>
-              <a:t>arXiv</a:t>
-            </a:r>
-            <a:r>
-              <a:rPr lang="en-US" altLang="zh-CN" sz="1900" dirty="0"/>
-              <a:t> preprint arXiv:1405.4053, 2014. </a:t>
-            </a:r>
-          </a:p>
-          <a:p>
-            <a:pPr marL="355564" indent="-355564">
-              <a:buClr>
-                <a:schemeClr val="dk1"/>
-              </a:buClr>
-              <a:buSzPct val="100000"/>
-              <a:buFont typeface="Arial"/>
-              <a:buAutoNum type="arabicPeriod"/>
-            </a:pPr>
-            <a:endParaRPr lang="en-US" altLang="zh-CN" sz="1900" dirty="0"/>
-          </a:p>
-        </p:txBody>
-      </p:sp>
-      <p:sp>
-        <p:nvSpPr>
-          <p:cNvPr id="32" name="Shape 32"/>
-          <p:cNvSpPr txBox="1"/>
-          <p:nvPr/>
-        </p:nvSpPr>
-        <p:spPr>
-          <a:xfrm>
-            <a:off x="22639688" y="10112004"/>
-            <a:ext cx="7770150" cy="838200"/>
+            <a:off x="21272093" y="3351344"/>
+            <a:ext cx="9159685" cy="855572"/>
           </a:xfrm>
           <a:prstGeom prst="rect">
             <a:avLst/>
@@ -3450,7 +2899,7 @@
               <a:buSzPct val="25000"/>
             </a:pPr>
             <a:r>
-              <a:rPr lang="en-US" sz="3100" dirty="0">
+              <a:rPr lang="en-US" sz="3200" dirty="0">
                 <a:solidFill>
                   <a:schemeClr val="dk1"/>
                 </a:solidFill>
@@ -3459,21 +2908,21 @@
                 <a:cs typeface="Impact"/>
                 <a:sym typeface="Impact"/>
               </a:rPr>
-              <a:t>CONCLUSIONS</a:t>
+              <a:t>EVALUATION</a:t>
             </a:r>
           </a:p>
         </p:txBody>
       </p:sp>
       <p:sp>
         <p:nvSpPr>
-          <p:cNvPr id="33" name="Shape 33"/>
+          <p:cNvPr id="34" name="Shape 34"/>
           <p:cNvSpPr txBox="1"/>
           <p:nvPr/>
         </p:nvSpPr>
         <p:spPr>
           <a:xfrm>
-            <a:off x="22661628" y="3351344"/>
-            <a:ext cx="7770150" cy="838200"/>
+            <a:off x="9977698" y="3352800"/>
+            <a:ext cx="10567289" cy="865605"/>
           </a:xfrm>
           <a:prstGeom prst="rect">
             <a:avLst/>
@@ -3496,7 +2945,7 @@
               <a:buSzPct val="25000"/>
             </a:pPr>
             <a:r>
-              <a:rPr lang="en-US" sz="3100">
+              <a:rPr lang="en-US" sz="3200" dirty="0" err="1">
                 <a:solidFill>
                   <a:schemeClr val="dk1"/>
                 </a:solidFill>
@@ -3505,44 +2954,10 @@
                 <a:cs typeface="Impact"/>
                 <a:sym typeface="Impact"/>
               </a:rPr>
-              <a:t>EVALUATION</a:t>
-            </a:r>
-          </a:p>
-        </p:txBody>
-      </p:sp>
-      <p:sp>
-        <p:nvSpPr>
-          <p:cNvPr id="34" name="Shape 34"/>
-          <p:cNvSpPr txBox="1"/>
-          <p:nvPr/>
-        </p:nvSpPr>
-        <p:spPr>
-          <a:xfrm>
-            <a:off x="14244902" y="3352800"/>
-            <a:ext cx="7770150" cy="838200"/>
-          </a:xfrm>
-          <a:prstGeom prst="rect">
-            <a:avLst/>
-          </a:prstGeom>
-          <a:noFill/>
-          <a:ln>
-            <a:noFill/>
-          </a:ln>
-        </p:spPr>
-        <p:txBody>
-          <a:bodyPr lIns="177782" tIns="177782" rIns="177782" bIns="177782" anchor="ctr" anchorCtr="1">
-            <a:noAutofit/>
-          </a:bodyPr>
-          <a:lstStyle/>
-          <a:p>
-            <a:pPr>
-              <a:buClr>
-                <a:schemeClr val="dk1"/>
-              </a:buClr>
-              <a:buSzPct val="25000"/>
-            </a:pPr>
-            <a:r>
-              <a:rPr lang="en-US" sz="3100">
+              <a:t>QoSManager</a:t>
+            </a:r>
+            <a:r>
+              <a:rPr lang="en-US" sz="3200" dirty="0">
                 <a:solidFill>
                   <a:schemeClr val="dk1"/>
                 </a:solidFill>
@@ -3551,44 +2966,10 @@
                 <a:cs typeface="Impact"/>
                 <a:sym typeface="Impact"/>
               </a:rPr>
-              <a:t>WORKFLOW AND METHODS</a:t>
-            </a:r>
-          </a:p>
-        </p:txBody>
-      </p:sp>
-      <p:sp>
-        <p:nvSpPr>
-          <p:cNvPr id="35" name="Shape 35"/>
-          <p:cNvSpPr txBox="1"/>
-          <p:nvPr/>
-        </p:nvSpPr>
-        <p:spPr>
-          <a:xfrm>
-            <a:off x="22661628" y="15500879"/>
-            <a:ext cx="7770150" cy="838200"/>
-          </a:xfrm>
-          <a:prstGeom prst="rect">
-            <a:avLst/>
-          </a:prstGeom>
-          <a:noFill/>
-          <a:ln>
-            <a:noFill/>
-          </a:ln>
-        </p:spPr>
-        <p:txBody>
-          <a:bodyPr lIns="177782" tIns="177782" rIns="177782" bIns="177782" anchor="ctr" anchorCtr="1">
-            <a:noAutofit/>
-          </a:bodyPr>
-          <a:lstStyle/>
-          <a:p>
-            <a:pPr>
-              <a:buClr>
-                <a:schemeClr val="dk1"/>
-              </a:buClr>
-              <a:buSzPct val="25000"/>
-            </a:pPr>
-            <a:r>
-              <a:rPr lang="en-US" sz="3100">
+              <a:t> </a:t>
+            </a:r>
+            <a:r>
+              <a:rPr lang="en-US" sz="3200" dirty="0" smtClean="0">
                 <a:solidFill>
                   <a:schemeClr val="dk1"/>
                 </a:solidFill>
@@ -3597,100 +2978,17 @@
                 <a:cs typeface="Impact"/>
                 <a:sym typeface="Impact"/>
               </a:rPr>
-              <a:t>REFERENCES</a:t>
-            </a:r>
-          </a:p>
-        </p:txBody>
-      </p:sp>
-      <p:sp>
-        <p:nvSpPr>
-          <p:cNvPr id="36" name="Shape 36"/>
-          <p:cNvSpPr txBox="1"/>
-          <p:nvPr/>
-        </p:nvSpPr>
-        <p:spPr>
-          <a:xfrm>
-            <a:off x="1" y="3351344"/>
-            <a:ext cx="5180475" cy="838200"/>
-          </a:xfrm>
-          <a:prstGeom prst="rect">
-            <a:avLst/>
-          </a:prstGeom>
-          <a:noFill/>
-          <a:ln>
-            <a:noFill/>
-          </a:ln>
-        </p:spPr>
-        <p:txBody>
-          <a:bodyPr lIns="177782" tIns="177782" rIns="177782" bIns="177782" anchor="ctr" anchorCtr="1">
-            <a:noAutofit/>
-          </a:bodyPr>
-          <a:lstStyle/>
-          <a:p>
-            <a:pPr>
-              <a:buClr>
+              <a:t>Architecture</a:t>
+            </a:r>
+            <a:endParaRPr lang="en-US" sz="3200" dirty="0">
+              <a:solidFill>
                 <a:schemeClr val="dk1"/>
-              </a:buClr>
-              <a:buSzPct val="25000"/>
-            </a:pPr>
-            <a:r>
-              <a:rPr lang="en-US" sz="3100">
-                <a:solidFill>
-                  <a:schemeClr val="dk1"/>
-                </a:solidFill>
-                <a:latin typeface="Impact"/>
-                <a:ea typeface="Impact"/>
-                <a:cs typeface="Impact"/>
-                <a:sym typeface="Impact"/>
-              </a:rPr>
-              <a:t>ABSTRACT</a:t>
-            </a:r>
-          </a:p>
-        </p:txBody>
-      </p:sp>
-      <p:sp>
-        <p:nvSpPr>
-          <p:cNvPr id="37" name="Shape 37"/>
-          <p:cNvSpPr txBox="1"/>
-          <p:nvPr/>
-        </p:nvSpPr>
-        <p:spPr>
-          <a:xfrm>
-            <a:off x="1" y="16205200"/>
-            <a:ext cx="5180475" cy="838200"/>
-          </a:xfrm>
-          <a:prstGeom prst="rect">
-            <a:avLst/>
-          </a:prstGeom>
-          <a:noFill/>
-          <a:ln>
-            <a:noFill/>
-          </a:ln>
-        </p:spPr>
-        <p:txBody>
-          <a:bodyPr lIns="177782" tIns="177782" rIns="177782" bIns="177782" anchor="ctr" anchorCtr="1">
-            <a:noAutofit/>
-          </a:bodyPr>
-          <a:lstStyle/>
-          <a:p>
-            <a:pPr>
-              <a:buClr>
-                <a:schemeClr val="dk1"/>
-              </a:buClr>
-              <a:buSzPct val="25000"/>
-            </a:pPr>
-            <a:r>
-              <a:rPr lang="en-US" sz="3100">
-                <a:solidFill>
-                  <a:schemeClr val="dk1"/>
-                </a:solidFill>
-                <a:latin typeface="Impact"/>
-                <a:ea typeface="Impact"/>
-                <a:cs typeface="Impact"/>
-                <a:sym typeface="Impact"/>
-              </a:rPr>
-              <a:t>CONTACT</a:t>
-            </a:r>
+              </a:solidFill>
+              <a:latin typeface="Impact"/>
+              <a:ea typeface="Impact"/>
+              <a:cs typeface="Impact"/>
+              <a:sym typeface="Impact"/>
+            </a:endParaRPr>
           </a:p>
         </p:txBody>
       </p:sp>
@@ -3726,14 +3024,14 @@
       </p:pic>
       <p:sp>
         <p:nvSpPr>
-          <p:cNvPr id="40" name="Shape 40"/>
+          <p:cNvPr id="41" name="Shape 41"/>
           <p:cNvSpPr txBox="1"/>
           <p:nvPr/>
         </p:nvSpPr>
         <p:spPr>
           <a:xfrm>
-            <a:off x="14245523" y="13012779"/>
-            <a:ext cx="7770063" cy="6265844"/>
+            <a:off x="550965" y="12382622"/>
+            <a:ext cx="8202197" cy="7223195"/>
           </a:xfrm>
           <a:prstGeom prst="rect">
             <a:avLst/>
@@ -3751,236 +3049,79 @@
           </a:bodyPr>
           <a:lstStyle/>
           <a:p>
-            <a:pPr marL="355564" indent="-296304">
-              <a:buClr>
-                <a:schemeClr val="dk1"/>
-              </a:buClr>
-              <a:buSzPct val="100000"/>
-              <a:buAutoNum type="arabicPeriod"/>
-            </a:pPr>
-            <a:r>
-              <a:rPr lang="en-US" sz="1900" dirty="0">
-                <a:solidFill>
-                  <a:schemeClr val="dk1"/>
-                </a:solidFill>
-              </a:rPr>
-              <a:t>Craw related page from Wikipedia</a:t>
-            </a:r>
-          </a:p>
-          <a:p>
-            <a:pPr marL="355564" indent="-296304">
-              <a:buClr>
-                <a:schemeClr val="dk1"/>
-              </a:buClr>
-              <a:buSzPct val="100000"/>
-              <a:buAutoNum type="arabicPeriod"/>
-            </a:pPr>
-            <a:endParaRPr lang="en-US" sz="800" dirty="0">
+            <a:endParaRPr sz="2600" dirty="0">
               <a:solidFill>
                 <a:schemeClr val="dk1"/>
               </a:solidFill>
             </a:endParaRPr>
           </a:p>
-          <a:p>
-            <a:pPr marL="355564" indent="-296304">
-              <a:buClr>
-                <a:schemeClr val="dk1"/>
-              </a:buClr>
-              <a:buSzPct val="100000"/>
-              <a:buAutoNum type="arabicPeriod"/>
-            </a:pPr>
-            <a:r>
-              <a:rPr lang="en-US" sz="1900" dirty="0">
-                <a:solidFill>
-                  <a:schemeClr val="dk1"/>
-                </a:solidFill>
-              </a:rPr>
-              <a:t>Extract words/phrases and relevancy value from Wikipedia paragraphs.</a:t>
-            </a:r>
-          </a:p>
-          <a:p>
-            <a:pPr marL="355564" indent="-296304">
-              <a:buClr>
-                <a:schemeClr val="dk1"/>
-              </a:buClr>
-              <a:buSzPct val="100000"/>
-              <a:buAutoNum type="arabicPeriod"/>
-            </a:pPr>
-            <a:endParaRPr sz="800" dirty="0">
-              <a:solidFill>
-                <a:schemeClr val="dk1"/>
-              </a:solidFill>
-            </a:endParaRPr>
-          </a:p>
-          <a:p>
-            <a:pPr marL="355564" indent="-296304">
-              <a:buClr>
-                <a:schemeClr val="dk1"/>
-              </a:buClr>
-              <a:buSzPct val="100000"/>
-              <a:buAutoNum type="arabicPeriod"/>
-            </a:pPr>
-            <a:r>
-              <a:rPr lang="en-US" sz="1900" dirty="0">
-                <a:solidFill>
-                  <a:schemeClr val="dk1"/>
-                </a:solidFill>
-              </a:rPr>
-              <a:t>Semantic Space Construction</a:t>
-            </a:r>
-          </a:p>
-          <a:p>
-            <a:pPr marL="59261" lvl="8">
-              <a:buClr>
-                <a:schemeClr val="dk1"/>
-              </a:buClr>
-              <a:buSzPct val="100000"/>
-            </a:pPr>
-            <a:r>
-              <a:rPr lang="en-US" sz="1900" dirty="0">
-                <a:solidFill>
-                  <a:schemeClr val="dk1"/>
-                </a:solidFill>
-              </a:rPr>
-              <a:t>    (1) Training anchor points (words/phrases) space that try to embed the 	rank of relevancy with category vectors</a:t>
-            </a:r>
-          </a:p>
-          <a:p>
-            <a:pPr marL="59261" lvl="8">
-              <a:buClr>
-                <a:schemeClr val="dk1"/>
-              </a:buClr>
-              <a:buSzPct val="100000"/>
-            </a:pPr>
-            <a:r>
-              <a:rPr lang="en-US" sz="1900" dirty="0">
-                <a:solidFill>
-                  <a:schemeClr val="dk1"/>
-                </a:solidFill>
-              </a:rPr>
-              <a:t>    (2) Mapping general words into a new categorized space based on anchor 	point space which try to keep their cosine similarity in the original 	space. This problem can be cast into a weighted least squared 	problem with quadratic constraints, which can be easily paralleled or 	distributed and solve efficiently</a:t>
-            </a:r>
-          </a:p>
-          <a:p>
-            <a:pPr marL="59261" lvl="8">
-              <a:buClr>
-                <a:schemeClr val="dk1"/>
-              </a:buClr>
-              <a:buSzPct val="100000"/>
-            </a:pPr>
-            <a:endParaRPr lang="en-US" sz="800" dirty="0">
-              <a:solidFill>
-                <a:schemeClr val="dk1"/>
-              </a:solidFill>
-            </a:endParaRPr>
-          </a:p>
-          <a:p>
-            <a:pPr marL="355564" indent="-296304">
-              <a:buClr>
-                <a:schemeClr val="dk1"/>
-              </a:buClr>
-              <a:buSzPct val="100000"/>
-              <a:buAutoNum type="arabicPeriod"/>
-            </a:pPr>
-            <a:r>
-              <a:rPr lang="en-US" sz="1900" dirty="0">
-                <a:solidFill>
-                  <a:schemeClr val="dk1"/>
-                </a:solidFill>
-              </a:rPr>
-              <a:t>Semantic Localization</a:t>
-            </a:r>
-          </a:p>
-          <a:p>
-            <a:pPr marL="59261" lvl="1">
-              <a:buClr>
-                <a:schemeClr val="dk1"/>
-              </a:buClr>
-              <a:buSzPct val="100000"/>
-            </a:pPr>
-            <a:r>
-              <a:rPr lang="en-US" sz="1900" dirty="0">
-                <a:solidFill>
-                  <a:schemeClr val="dk1"/>
-                </a:solidFill>
-              </a:rPr>
-              <a:t>    (1) Estimate the error of trained vectors with its similarity to different 	category heads. </a:t>
-            </a:r>
-          </a:p>
-          <a:p>
-            <a:pPr marL="59261" lvl="1">
-              <a:buClr>
-                <a:schemeClr val="dk1"/>
-              </a:buClr>
-              <a:buSzPct val="100000"/>
-            </a:pPr>
-            <a:r>
-              <a:rPr lang="en-US" sz="1900" dirty="0">
-                <a:solidFill>
-                  <a:schemeClr val="dk1"/>
-                </a:solidFill>
-              </a:rPr>
-              <a:t>    (2) Regard a word in space as a Von </a:t>
-            </a:r>
-            <a:r>
-              <a:rPr lang="en-US" sz="1900" dirty="0" err="1">
-                <a:solidFill>
-                  <a:schemeClr val="dk1"/>
-                </a:solidFill>
-              </a:rPr>
-              <a:t>Mises</a:t>
-            </a:r>
-            <a:r>
-              <a:rPr lang="en-US" sz="1900" dirty="0">
-                <a:solidFill>
-                  <a:schemeClr val="dk1"/>
-                </a:solidFill>
-              </a:rPr>
-              <a:t>-Fisher distribution instead of a 	exact vector.</a:t>
-            </a:r>
-          </a:p>
-          <a:p>
-            <a:pPr marL="59261" lvl="1">
-              <a:buClr>
-                <a:schemeClr val="dk1"/>
-              </a:buClr>
-              <a:buSzPct val="100000"/>
-            </a:pPr>
-            <a:r>
-              <a:rPr lang="en-US" sz="1900" dirty="0">
-                <a:solidFill>
-                  <a:schemeClr val="dk1"/>
-                </a:solidFill>
-              </a:rPr>
-              <a:t>    (3) Estimated the most likelihood tweet vector representation.</a:t>
-            </a:r>
-          </a:p>
-          <a:p>
-            <a:pPr marL="355564" indent="-296304">
-              <a:buClr>
-                <a:schemeClr val="dk1"/>
-              </a:buClr>
-              <a:buSzPct val="100000"/>
-              <a:buAutoNum type="arabicPeriod"/>
-            </a:pPr>
-            <a:endParaRPr lang="en-US" sz="1900" dirty="0">
-              <a:solidFill>
-                <a:schemeClr val="dk1"/>
-              </a:solidFill>
-            </a:endParaRPr>
-          </a:p>
         </p:txBody>
       </p:sp>
       <p:sp>
         <p:nvSpPr>
-          <p:cNvPr id="41" name="Shape 41"/>
+          <p:cNvPr id="42" name="Shape 42"/>
           <p:cNvSpPr txBox="1"/>
           <p:nvPr/>
         </p:nvSpPr>
         <p:spPr>
           <a:xfrm>
-            <a:off x="5829301" y="12568634"/>
-            <a:ext cx="7770063" cy="6710000"/>
+            <a:off x="491968" y="11617030"/>
+            <a:ext cx="8669373" cy="811388"/>
+          </a:xfrm>
+          <a:prstGeom prst="rect">
+            <a:avLst/>
+          </a:prstGeom>
+          <a:noFill/>
+          <a:ln>
+            <a:noFill/>
+          </a:ln>
+        </p:spPr>
+        <p:txBody>
+          <a:bodyPr lIns="177782" tIns="177782" rIns="177782" bIns="177782" anchor="ctr" anchorCtr="1">
+            <a:noAutofit/>
+          </a:bodyPr>
+          <a:lstStyle/>
+          <a:p>
+            <a:pPr>
+              <a:buClr>
+                <a:schemeClr val="dk1"/>
+              </a:buClr>
+              <a:buSzPct val="25000"/>
+            </a:pPr>
+            <a:r>
+              <a:rPr lang="en-US" sz="3200" dirty="0" smtClean="0">
+                <a:solidFill>
+                  <a:schemeClr val="dk1"/>
+                </a:solidFill>
+                <a:latin typeface="Impact"/>
+                <a:ea typeface="Impact"/>
+                <a:cs typeface="Impact"/>
+                <a:sym typeface="Impact"/>
+              </a:rPr>
+              <a:t>PROBLEM DESCRIPTION</a:t>
+            </a:r>
+            <a:endParaRPr lang="en-US" sz="3200" dirty="0">
+              <a:solidFill>
+                <a:schemeClr val="dk1"/>
+              </a:solidFill>
+              <a:latin typeface="Impact"/>
+              <a:ea typeface="Impact"/>
+              <a:cs typeface="Impact"/>
+              <a:sym typeface="Impact"/>
+            </a:endParaRPr>
+          </a:p>
+        </p:txBody>
+      </p:sp>
+      <p:sp>
+        <p:nvSpPr>
+          <p:cNvPr id="48" name="Shape 26"/>
+          <p:cNvSpPr txBox="1"/>
+          <p:nvPr/>
+        </p:nvSpPr>
+        <p:spPr>
+          <a:xfrm>
+            <a:off x="21384806" y="16341881"/>
+            <a:ext cx="9159685" cy="3263936"/>
           </a:xfrm>
           <a:prstGeom prst="rect">
             <a:avLst/>
@@ -3998,24 +3139,1095 @@
           </a:bodyPr>
           <a:lstStyle/>
           <a:p>
-            <a:endParaRPr sz="1900">
-              <a:solidFill>
-                <a:schemeClr val="dk1"/>
-              </a:solidFill>
-            </a:endParaRPr>
+            <a:pPr marL="342900" indent="-342900">
+              <a:buFont typeface="Wingdings" charset="2"/>
+              <a:buChar char="§"/>
+            </a:pPr>
+            <a:r>
+              <a:rPr lang="en-US" sz="2600" dirty="0" smtClean="0"/>
+              <a:t>We design a flexible specification language </a:t>
+            </a:r>
+            <a:r>
+              <a:rPr lang="en-US" sz="2600" dirty="0" smtClean="0"/>
+              <a:t>to define </a:t>
+            </a:r>
+            <a:r>
+              <a:rPr lang="en-US" sz="2600" dirty="0" err="1" smtClean="0"/>
+              <a:t>QoS</a:t>
+            </a:r>
+            <a:r>
+              <a:rPr lang="en-US" sz="2600" dirty="0" smtClean="0"/>
+              <a:t> policies</a:t>
+            </a:r>
+            <a:endParaRPr lang="en-US" sz="2600" dirty="0" smtClean="0"/>
+          </a:p>
+          <a:p>
+            <a:pPr marL="342900" indent="-342900">
+              <a:buFont typeface="Wingdings" charset="2"/>
+              <a:buChar char="§"/>
+            </a:pPr>
+            <a:r>
+              <a:rPr lang="en-US" sz="2600" dirty="0" smtClean="0"/>
+              <a:t>We propose a novel queue assignment algorithm to </a:t>
+            </a:r>
+            <a:r>
+              <a:rPr lang="en-US" sz="2600" dirty="0" smtClean="0"/>
+              <a:t>maximize the </a:t>
+            </a:r>
+            <a:r>
+              <a:rPr lang="en-US" sz="2600" dirty="0" err="1" smtClean="0"/>
+              <a:t>QoS</a:t>
+            </a:r>
+            <a:r>
+              <a:rPr lang="en-US" sz="2600" dirty="0" smtClean="0"/>
+              <a:t> utility function</a:t>
+            </a:r>
+          </a:p>
+          <a:p>
+            <a:pPr marL="342900" indent="-342900">
+              <a:buFont typeface="Wingdings" charset="2"/>
+              <a:buChar char="§"/>
+            </a:pPr>
+            <a:r>
+              <a:rPr lang="en-US" sz="2600" dirty="0" smtClean="0"/>
+              <a:t>We design and implement </a:t>
+            </a:r>
+            <a:r>
+              <a:rPr lang="en-US" sz="2600" dirty="0" err="1" smtClean="0"/>
+              <a:t>QoSManager</a:t>
+            </a:r>
+            <a:r>
+              <a:rPr lang="en-US" sz="2600" dirty="0" smtClean="0"/>
+              <a:t> using SDN</a:t>
+            </a:r>
+          </a:p>
+          <a:p>
+            <a:pPr marL="342900" indent="-342900">
+              <a:buFont typeface="Wingdings" charset="2"/>
+              <a:buChar char="§"/>
+            </a:pPr>
+            <a:r>
+              <a:rPr lang="en-US" sz="2600" dirty="0" smtClean="0"/>
+              <a:t>We demonstrated the effectiveness of </a:t>
+            </a:r>
+            <a:r>
+              <a:rPr lang="en-US" sz="2600" dirty="0" err="1" smtClean="0"/>
+              <a:t>QoSManager</a:t>
+            </a:r>
+            <a:r>
+              <a:rPr lang="en-US" sz="2600" dirty="0" smtClean="0"/>
+              <a:t> by emulating different network scenarios</a:t>
+            </a:r>
+          </a:p>
+          <a:p>
+            <a:pPr marL="342900" indent="-342900">
+              <a:buFont typeface="Wingdings" charset="2"/>
+              <a:buChar char="§"/>
+            </a:pPr>
+            <a:endParaRPr lang="en-US" sz="2600" dirty="0"/>
           </a:p>
         </p:txBody>
       </p:sp>
       <p:sp>
         <p:nvSpPr>
-          <p:cNvPr id="42" name="Shape 42"/>
+          <p:cNvPr id="49" name="Shape 25"/>
           <p:cNvSpPr txBox="1"/>
           <p:nvPr/>
         </p:nvSpPr>
         <p:spPr>
           <a:xfrm>
-            <a:off x="5770305" y="11730423"/>
-            <a:ext cx="7770063" cy="838200"/>
+            <a:off x="9478813" y="12382622"/>
+            <a:ext cx="11078918" cy="7216844"/>
+          </a:xfrm>
+          <a:prstGeom prst="rect">
+            <a:avLst/>
+          </a:prstGeom>
+          <a:solidFill>
+            <a:srgbClr val="DDDDDD"/>
+          </a:solidFill>
+          <a:ln>
+            <a:noFill/>
+          </a:ln>
+        </p:spPr>
+        <p:txBody>
+          <a:bodyPr lIns="177782" tIns="177782" rIns="177782" bIns="177782" anchor="t" anchorCtr="0">
+            <a:noAutofit/>
+          </a:bodyPr>
+          <a:lstStyle/>
+          <a:p>
+            <a:pPr>
+              <a:buClr>
+                <a:schemeClr val="dk1"/>
+              </a:buClr>
+            </a:pPr>
+            <a:endParaRPr/>
+          </a:p>
+        </p:txBody>
+      </p:sp>
+      <p:grpSp>
+        <p:nvGrpSpPr>
+          <p:cNvPr id="3" name="Group 2"/>
+          <p:cNvGrpSpPr>
+            <a:grpSpLocks noChangeAspect="1"/>
+          </p:cNvGrpSpPr>
+          <p:nvPr/>
+        </p:nvGrpSpPr>
+        <p:grpSpPr>
+          <a:xfrm>
+            <a:off x="1622588" y="8247080"/>
+            <a:ext cx="5486575" cy="3253091"/>
+            <a:chOff x="1691108" y="7344454"/>
+            <a:chExt cx="6096194" cy="3614546"/>
+          </a:xfrm>
+        </p:grpSpPr>
+        <p:pic>
+          <p:nvPicPr>
+            <p:cNvPr id="31" name="Picture 30"/>
+            <p:cNvPicPr/>
+            <p:nvPr/>
+          </p:nvPicPr>
+          <p:blipFill>
+            <a:blip r:embed="rId4">
+              <a:extLst>
+                <a:ext uri="{28A0092B-C50C-407E-A947-70E740481C1C}">
+                  <a14:useLocalDpi xmlns:a14="http://schemas.microsoft.com/office/drawing/2010/main" val="0"/>
+                </a:ext>
+              </a:extLst>
+            </a:blip>
+            <a:srcRect/>
+            <a:stretch>
+              <a:fillRect/>
+            </a:stretch>
+          </p:blipFill>
+          <p:spPr bwMode="auto">
+            <a:xfrm>
+              <a:off x="4934826" y="7344454"/>
+              <a:ext cx="1386366" cy="1317650"/>
+            </a:xfrm>
+            <a:prstGeom prst="rect">
+              <a:avLst/>
+            </a:prstGeom>
+            <a:noFill/>
+            <a:ln>
+              <a:noFill/>
+            </a:ln>
+          </p:spPr>
+        </p:pic>
+        <p:pic>
+          <p:nvPicPr>
+            <p:cNvPr id="35" name="Picture 34"/>
+            <p:cNvPicPr/>
+            <p:nvPr/>
+          </p:nvPicPr>
+          <p:blipFill>
+            <a:blip r:embed="rId5">
+              <a:extLst>
+                <a:ext uri="{28A0092B-C50C-407E-A947-70E740481C1C}">
+                  <a14:useLocalDpi xmlns:a14="http://schemas.microsoft.com/office/drawing/2010/main" val="0"/>
+                </a:ext>
+              </a:extLst>
+            </a:blip>
+            <a:srcRect/>
+            <a:stretch>
+              <a:fillRect/>
+            </a:stretch>
+          </p:blipFill>
+          <p:spPr bwMode="auto">
+            <a:xfrm>
+              <a:off x="2970143" y="7396029"/>
+              <a:ext cx="1346333" cy="1214501"/>
+            </a:xfrm>
+            <a:prstGeom prst="rect">
+              <a:avLst/>
+            </a:prstGeom>
+            <a:noFill/>
+            <a:ln>
+              <a:noFill/>
+            </a:ln>
+          </p:spPr>
+        </p:pic>
+        <p:grpSp>
+          <p:nvGrpSpPr>
+            <p:cNvPr id="37" name="Group 36"/>
+            <p:cNvGrpSpPr/>
+            <p:nvPr/>
+          </p:nvGrpSpPr>
+          <p:grpSpPr>
+            <a:xfrm>
+              <a:off x="3169279" y="9702558"/>
+              <a:ext cx="2832026" cy="1256442"/>
+              <a:chOff x="2677834" y="4628224"/>
+              <a:chExt cx="2832026" cy="1256442"/>
+            </a:xfrm>
+          </p:grpSpPr>
+          <p:pic>
+            <p:nvPicPr>
+              <p:cNvPr id="39" name="Picture 38"/>
+              <p:cNvPicPr/>
+              <p:nvPr/>
+            </p:nvPicPr>
+            <p:blipFill>
+              <a:blip r:embed="rId6">
+                <a:extLst>
+                  <a:ext uri="{28A0092B-C50C-407E-A947-70E740481C1C}">
+                    <a14:useLocalDpi xmlns:a14="http://schemas.microsoft.com/office/drawing/2010/main" val="0"/>
+                  </a:ext>
+                </a:extLst>
+              </a:blip>
+              <a:srcRect/>
+              <a:stretch>
+                <a:fillRect/>
+              </a:stretch>
+            </p:blipFill>
+            <p:spPr bwMode="auto">
+              <a:xfrm>
+                <a:off x="2677834" y="4628224"/>
+                <a:ext cx="1142553" cy="1223786"/>
+              </a:xfrm>
+              <a:prstGeom prst="rect">
+                <a:avLst/>
+              </a:prstGeom>
+              <a:noFill/>
+              <a:ln>
+                <a:noFill/>
+              </a:ln>
+            </p:spPr>
+          </p:pic>
+          <p:pic>
+            <p:nvPicPr>
+              <p:cNvPr id="40" name="Picture 39"/>
+              <p:cNvPicPr/>
+              <p:nvPr/>
+            </p:nvPicPr>
+            <p:blipFill>
+              <a:blip r:embed="rId6">
+                <a:extLst>
+                  <a:ext uri="{28A0092B-C50C-407E-A947-70E740481C1C}">
+                    <a14:useLocalDpi xmlns:a14="http://schemas.microsoft.com/office/drawing/2010/main" val="0"/>
+                  </a:ext>
+                </a:extLst>
+              </a:blip>
+              <a:srcRect/>
+              <a:stretch>
+                <a:fillRect/>
+              </a:stretch>
+            </p:blipFill>
+            <p:spPr bwMode="auto">
+              <a:xfrm>
+                <a:off x="3236932" y="4660880"/>
+                <a:ext cx="1142553" cy="1223786"/>
+              </a:xfrm>
+              <a:prstGeom prst="rect">
+                <a:avLst/>
+              </a:prstGeom>
+              <a:noFill/>
+              <a:ln>
+                <a:noFill/>
+              </a:ln>
+            </p:spPr>
+          </p:pic>
+          <p:pic>
+            <p:nvPicPr>
+              <p:cNvPr id="43" name="Picture 42"/>
+              <p:cNvPicPr/>
+              <p:nvPr/>
+            </p:nvPicPr>
+            <p:blipFill>
+              <a:blip r:embed="rId6">
+                <a:extLst>
+                  <a:ext uri="{28A0092B-C50C-407E-A947-70E740481C1C}">
+                    <a14:useLocalDpi xmlns:a14="http://schemas.microsoft.com/office/drawing/2010/main" val="0"/>
+                  </a:ext>
+                </a:extLst>
+              </a:blip>
+              <a:srcRect/>
+              <a:stretch>
+                <a:fillRect/>
+              </a:stretch>
+            </p:blipFill>
+            <p:spPr bwMode="auto">
+              <a:xfrm>
+                <a:off x="3796030" y="4660880"/>
+                <a:ext cx="1142553" cy="1223786"/>
+              </a:xfrm>
+              <a:prstGeom prst="rect">
+                <a:avLst/>
+              </a:prstGeom>
+              <a:noFill/>
+              <a:ln>
+                <a:noFill/>
+              </a:ln>
+            </p:spPr>
+          </p:pic>
+          <p:pic>
+            <p:nvPicPr>
+              <p:cNvPr id="44" name="Picture 43"/>
+              <p:cNvPicPr/>
+              <p:nvPr/>
+            </p:nvPicPr>
+            <p:blipFill>
+              <a:blip r:embed="rId6">
+                <a:extLst>
+                  <a:ext uri="{28A0092B-C50C-407E-A947-70E740481C1C}">
+                    <a14:useLocalDpi xmlns:a14="http://schemas.microsoft.com/office/drawing/2010/main" val="0"/>
+                  </a:ext>
+                </a:extLst>
+              </a:blip>
+              <a:srcRect/>
+              <a:stretch>
+                <a:fillRect/>
+              </a:stretch>
+            </p:blipFill>
+            <p:spPr bwMode="auto">
+              <a:xfrm>
+                <a:off x="4367307" y="4660880"/>
+                <a:ext cx="1142553" cy="1223786"/>
+              </a:xfrm>
+              <a:prstGeom prst="rect">
+                <a:avLst/>
+              </a:prstGeom>
+              <a:noFill/>
+              <a:ln>
+                <a:noFill/>
+              </a:ln>
+            </p:spPr>
+          </p:pic>
+        </p:grpSp>
+        <p:cxnSp>
+          <p:nvCxnSpPr>
+            <p:cNvPr id="45" name="Straight Arrow Connector 44"/>
+            <p:cNvCxnSpPr>
+              <a:stCxn id="39" idx="0"/>
+            </p:cNvCxnSpPr>
+            <p:nvPr/>
+          </p:nvCxnSpPr>
+          <p:spPr>
+            <a:xfrm flipH="1" flipV="1">
+              <a:off x="1691108" y="8713679"/>
+              <a:ext cx="2049448" cy="988879"/>
+            </a:xfrm>
+            <a:prstGeom prst="straightConnector1">
+              <a:avLst/>
+            </a:prstGeom>
+            <a:ln w="57150">
+              <a:tailEnd type="triangle"/>
+            </a:ln>
+          </p:spPr>
+          <p:style>
+            <a:lnRef idx="2">
+              <a:schemeClr val="accent1"/>
+            </a:lnRef>
+            <a:fillRef idx="0">
+              <a:schemeClr val="accent1"/>
+            </a:fillRef>
+            <a:effectRef idx="1">
+              <a:schemeClr val="accent1"/>
+            </a:effectRef>
+            <a:fontRef idx="minor">
+              <a:schemeClr val="tx1"/>
+            </a:fontRef>
+          </p:style>
+        </p:cxnSp>
+        <p:cxnSp>
+          <p:nvCxnSpPr>
+            <p:cNvPr id="46" name="Straight Arrow Connector 45"/>
+            <p:cNvCxnSpPr>
+              <a:endCxn id="31" idx="2"/>
+            </p:cNvCxnSpPr>
+            <p:nvPr/>
+          </p:nvCxnSpPr>
+          <p:spPr>
+            <a:xfrm flipV="1">
+              <a:off x="4934826" y="8662104"/>
+              <a:ext cx="693183" cy="1073110"/>
+            </a:xfrm>
+            <a:prstGeom prst="straightConnector1">
+              <a:avLst/>
+            </a:prstGeom>
+            <a:ln w="57150">
+              <a:tailEnd type="triangle"/>
+            </a:ln>
+          </p:spPr>
+          <p:style>
+            <a:lnRef idx="2">
+              <a:schemeClr val="accent1"/>
+            </a:lnRef>
+            <a:fillRef idx="0">
+              <a:schemeClr val="accent1"/>
+            </a:fillRef>
+            <a:effectRef idx="1">
+              <a:schemeClr val="accent1"/>
+            </a:effectRef>
+            <a:fontRef idx="minor">
+              <a:schemeClr val="tx1"/>
+            </a:fontRef>
+          </p:style>
+        </p:cxnSp>
+        <p:cxnSp>
+          <p:nvCxnSpPr>
+            <p:cNvPr id="47" name="Straight Arrow Connector 46"/>
+            <p:cNvCxnSpPr/>
+            <p:nvPr/>
+          </p:nvCxnSpPr>
+          <p:spPr>
+            <a:xfrm flipV="1">
+              <a:off x="5796975" y="8810826"/>
+              <a:ext cx="1990327" cy="1038575"/>
+            </a:xfrm>
+            <a:prstGeom prst="straightConnector1">
+              <a:avLst/>
+            </a:prstGeom>
+            <a:ln w="57150">
+              <a:tailEnd type="triangle"/>
+            </a:ln>
+          </p:spPr>
+          <p:style>
+            <a:lnRef idx="2">
+              <a:schemeClr val="accent1"/>
+            </a:lnRef>
+            <a:fillRef idx="0">
+              <a:schemeClr val="accent1"/>
+            </a:fillRef>
+            <a:effectRef idx="1">
+              <a:schemeClr val="accent1"/>
+            </a:effectRef>
+            <a:fontRef idx="minor">
+              <a:schemeClr val="tx1"/>
+            </a:fontRef>
+          </p:style>
+        </p:cxnSp>
+        <p:cxnSp>
+          <p:nvCxnSpPr>
+            <p:cNvPr id="50" name="Straight Arrow Connector 49"/>
+            <p:cNvCxnSpPr>
+              <a:endCxn id="35" idx="2"/>
+            </p:cNvCxnSpPr>
+            <p:nvPr/>
+          </p:nvCxnSpPr>
+          <p:spPr>
+            <a:xfrm flipH="1" flipV="1">
+              <a:off x="3643310" y="8610530"/>
+              <a:ext cx="529851" cy="1092028"/>
+            </a:xfrm>
+            <a:prstGeom prst="straightConnector1">
+              <a:avLst/>
+            </a:prstGeom>
+            <a:ln w="57150">
+              <a:tailEnd type="triangle"/>
+            </a:ln>
+          </p:spPr>
+          <p:style>
+            <a:lnRef idx="2">
+              <a:schemeClr val="accent1"/>
+            </a:lnRef>
+            <a:fillRef idx="0">
+              <a:schemeClr val="accent1"/>
+            </a:fillRef>
+            <a:effectRef idx="1">
+              <a:schemeClr val="accent1"/>
+            </a:effectRef>
+            <a:fontRef idx="minor">
+              <a:schemeClr val="tx1"/>
+            </a:fontRef>
+          </p:style>
+        </p:cxnSp>
+      </p:grpSp>
+      <p:sp>
+        <p:nvSpPr>
+          <p:cNvPr id="51" name="TextBox 50"/>
+          <p:cNvSpPr txBox="1"/>
+          <p:nvPr/>
+        </p:nvSpPr>
+        <p:spPr>
+          <a:xfrm>
+            <a:off x="21296041" y="7062806"/>
+            <a:ext cx="9075682" cy="523220"/>
+          </a:xfrm>
+          <a:prstGeom prst="rect">
+            <a:avLst/>
+          </a:prstGeom>
+          <a:noFill/>
+        </p:spPr>
+        <p:txBody>
+          <a:bodyPr wrap="square" rtlCol="0">
+            <a:spAutoFit/>
+          </a:bodyPr>
+          <a:lstStyle/>
+          <a:p>
+            <a:r>
+              <a:rPr lang="en-US" sz="2800" dirty="0" smtClean="0"/>
+              <a:t>Q1: </a:t>
+            </a:r>
+            <a:r>
+              <a:rPr lang="en-US" sz="2800" dirty="0"/>
+              <a:t>Is high priority traffic affected by </a:t>
+            </a:r>
+            <a:r>
+              <a:rPr lang="en-US" sz="2800" dirty="0" smtClean="0"/>
+              <a:t>low priority </a:t>
+            </a:r>
+            <a:r>
+              <a:rPr lang="en-US" sz="2800" dirty="0"/>
+              <a:t>traffic?</a:t>
+            </a:r>
+          </a:p>
+        </p:txBody>
+      </p:sp>
+      <p:graphicFrame>
+        <p:nvGraphicFramePr>
+          <p:cNvPr id="53" name="表格 38"/>
+          <p:cNvGraphicFramePr>
+            <a:graphicFrameLocks noGrp="1"/>
+          </p:cNvGraphicFramePr>
+          <p:nvPr>
+            <p:extLst>
+              <p:ext uri="{D42A27DB-BD31-4B8C-83A1-F6EECF244321}">
+                <p14:modId xmlns:p14="http://schemas.microsoft.com/office/powerpoint/2010/main" val="377061403"/>
+              </p:ext>
+            </p:extLst>
+          </p:nvPr>
+        </p:nvGraphicFramePr>
+        <p:xfrm>
+          <a:off x="25848040" y="4717914"/>
+          <a:ext cx="4528718" cy="1364358"/>
+        </p:xfrm>
+        <a:graphic>
+          <a:graphicData uri="http://schemas.openxmlformats.org/drawingml/2006/table">
+            <a:tbl>
+              <a:tblPr firstRow="1" bandRow="1">
+                <a:tableStyleId>{073A0DAA-6AF3-43AB-8588-CEC1D06C72B9}</a:tableStyleId>
+              </a:tblPr>
+              <a:tblGrid>
+                <a:gridCol w="872904"/>
+                <a:gridCol w="1309942"/>
+                <a:gridCol w="1417896"/>
+                <a:gridCol w="927976"/>
+              </a:tblGrid>
+              <a:tr h="330998">
+                <a:tc>
+                  <a:txBody>
+                    <a:bodyPr/>
+                    <a:lstStyle/>
+                    <a:p>
+                      <a:r>
+                        <a:rPr lang="en-US" altLang="zh-CN" sz="1400" b="1" i="0" u="none" strike="noStrike" cap="none" baseline="0" dirty="0" smtClean="0">
+                          <a:solidFill>
+                            <a:schemeClr val="lt1"/>
+                          </a:solidFill>
+                          <a:latin typeface="+mn-lt"/>
+                          <a:ea typeface="+mn-ea"/>
+                          <a:cs typeface="+mn-cs"/>
+                          <a:sym typeface="Arial"/>
+                          <a:rtl val="0"/>
+                        </a:rPr>
+                        <a:t>Type</a:t>
+                      </a:r>
+                      <a:endParaRPr lang="zh-CN" altLang="en-US" sz="1400" dirty="0"/>
+                    </a:p>
+                  </a:txBody>
+                  <a:tcPr/>
+                </a:tc>
+                <a:tc>
+                  <a:txBody>
+                    <a:bodyPr/>
+                    <a:lstStyle/>
+                    <a:p>
+                      <a:r>
+                        <a:rPr lang="en-US" altLang="zh-CN" sz="1400" b="1" i="0" u="none" strike="noStrike" cap="none" baseline="0" dirty="0" smtClean="0">
+                          <a:solidFill>
+                            <a:schemeClr val="lt1"/>
+                          </a:solidFill>
+                          <a:latin typeface="+mn-lt"/>
+                          <a:ea typeface="+mn-ea"/>
+                          <a:cs typeface="+mn-cs"/>
+                          <a:sym typeface="Arial"/>
+                          <a:rtl val="0"/>
+                        </a:rPr>
+                        <a:t>Minimum</a:t>
+                      </a:r>
+                      <a:endParaRPr lang="zh-CN" altLang="en-US" dirty="0"/>
+                    </a:p>
+                  </a:txBody>
+                  <a:tcPr/>
+                </a:tc>
+                <a:tc>
+                  <a:txBody>
+                    <a:bodyPr/>
+                    <a:lstStyle/>
+                    <a:p>
+                      <a:r>
+                        <a:rPr lang="en-US" altLang="zh-CN" sz="1400" b="1" i="0" u="none" strike="noStrike" cap="none" baseline="0" dirty="0" smtClean="0">
+                          <a:solidFill>
+                            <a:schemeClr val="lt1"/>
+                          </a:solidFill>
+                          <a:latin typeface="+mn-lt"/>
+                          <a:ea typeface="+mn-ea"/>
+                          <a:cs typeface="+mn-cs"/>
+                          <a:sym typeface="Arial"/>
+                          <a:rtl val="0"/>
+                        </a:rPr>
+                        <a:t>Recommend</a:t>
+                      </a:r>
+                      <a:endParaRPr lang="zh-CN" altLang="en-US" dirty="0"/>
+                    </a:p>
+                  </a:txBody>
+                  <a:tcPr/>
+                </a:tc>
+                <a:tc>
+                  <a:txBody>
+                    <a:bodyPr/>
+                    <a:lstStyle/>
+                    <a:p>
+                      <a:r>
+                        <a:rPr lang="en-US" altLang="zh-CN" sz="1400" b="1" i="0" u="none" strike="noStrike" cap="none" baseline="0" dirty="0" smtClean="0">
+                          <a:solidFill>
+                            <a:schemeClr val="lt1"/>
+                          </a:solidFill>
+                          <a:latin typeface="+mn-lt"/>
+                          <a:ea typeface="+mn-ea"/>
+                          <a:cs typeface="+mn-cs"/>
+                          <a:sym typeface="Arial"/>
+                          <a:rtl val="0"/>
+                        </a:rPr>
+                        <a:t>Priority</a:t>
+                      </a:r>
+                      <a:endParaRPr lang="zh-CN" altLang="en-US" dirty="0"/>
+                    </a:p>
+                  </a:txBody>
+                  <a:tcPr/>
+                </a:tc>
+              </a:tr>
+              <a:tr h="371364">
+                <a:tc>
+                  <a:txBody>
+                    <a:bodyPr/>
+                    <a:lstStyle/>
+                    <a:p>
+                      <a:r>
+                        <a:rPr lang="en-US" altLang="zh-CN" dirty="0" smtClean="0"/>
+                        <a:t>VoIP</a:t>
+                      </a:r>
+                      <a:endParaRPr lang="zh-CN" altLang="en-US" dirty="0"/>
+                    </a:p>
+                  </a:txBody>
+                  <a:tcPr/>
+                </a:tc>
+                <a:tc>
+                  <a:txBody>
+                    <a:bodyPr/>
+                    <a:lstStyle/>
+                    <a:p>
+                      <a:r>
+                        <a:rPr lang="en-US" altLang="zh-CN" dirty="0" smtClean="0"/>
+                        <a:t>400Kbps</a:t>
+                      </a:r>
+                      <a:endParaRPr lang="zh-CN" altLang="en-US" dirty="0"/>
+                    </a:p>
+                  </a:txBody>
+                  <a:tcPr/>
+                </a:tc>
+                <a:tc>
+                  <a:txBody>
+                    <a:bodyPr/>
+                    <a:lstStyle/>
+                    <a:p>
+                      <a:r>
+                        <a:rPr lang="en-US" altLang="zh-CN" dirty="0" smtClean="0"/>
+                        <a:t>1.2Mbps</a:t>
+                      </a:r>
+                      <a:endParaRPr lang="zh-CN" altLang="en-US" dirty="0"/>
+                    </a:p>
+                  </a:txBody>
+                  <a:tcPr/>
+                </a:tc>
+                <a:tc>
+                  <a:txBody>
+                    <a:bodyPr/>
+                    <a:lstStyle/>
+                    <a:p>
+                      <a:r>
+                        <a:rPr lang="en-US" altLang="zh-CN" dirty="0" smtClean="0"/>
+                        <a:t>10</a:t>
+                      </a:r>
+                      <a:endParaRPr lang="zh-CN" altLang="en-US" dirty="0"/>
+                    </a:p>
+                  </a:txBody>
+                  <a:tcPr/>
+                </a:tc>
+              </a:tr>
+              <a:tr h="330998">
+                <a:tc>
+                  <a:txBody>
+                    <a:bodyPr/>
+                    <a:lstStyle/>
+                    <a:p>
+                      <a:r>
+                        <a:rPr lang="en-US" altLang="zh-CN" dirty="0" smtClean="0"/>
+                        <a:t>Video</a:t>
+                      </a:r>
+                      <a:endParaRPr lang="zh-CN" altLang="en-US" dirty="0"/>
+                    </a:p>
+                  </a:txBody>
+                  <a:tcPr/>
+                </a:tc>
+                <a:tc>
+                  <a:txBody>
+                    <a:bodyPr/>
+                    <a:lstStyle/>
+                    <a:p>
+                      <a:r>
+                        <a:rPr lang="en-US" altLang="zh-CN" dirty="0" smtClean="0"/>
+                        <a:t>3.5Mbps</a:t>
+                      </a:r>
+                      <a:endParaRPr lang="zh-CN" altLang="en-US" dirty="0"/>
+                    </a:p>
+                  </a:txBody>
+                  <a:tcPr/>
+                </a:tc>
+                <a:tc>
+                  <a:txBody>
+                    <a:bodyPr/>
+                    <a:lstStyle/>
+                    <a:p>
+                      <a:r>
+                        <a:rPr lang="en-US" altLang="zh-CN" dirty="0" smtClean="0"/>
+                        <a:t>5Mbps</a:t>
+                      </a:r>
+                      <a:endParaRPr lang="zh-CN" altLang="en-US" dirty="0"/>
+                    </a:p>
+                  </a:txBody>
+                  <a:tcPr/>
+                </a:tc>
+                <a:tc>
+                  <a:txBody>
+                    <a:bodyPr/>
+                    <a:lstStyle/>
+                    <a:p>
+                      <a:r>
+                        <a:rPr lang="en-US" altLang="zh-CN" dirty="0" smtClean="0"/>
+                        <a:t>6</a:t>
+                      </a:r>
+                      <a:endParaRPr lang="zh-CN" altLang="en-US" dirty="0"/>
+                    </a:p>
+                  </a:txBody>
+                  <a:tcPr/>
+                </a:tc>
+              </a:tr>
+              <a:tr h="330998">
+                <a:tc>
+                  <a:txBody>
+                    <a:bodyPr/>
+                    <a:lstStyle/>
+                    <a:p>
+                      <a:r>
+                        <a:rPr lang="en-US" altLang="zh-CN" dirty="0" smtClean="0"/>
+                        <a:t>Game</a:t>
+                      </a:r>
+                      <a:endParaRPr lang="zh-CN" altLang="en-US" dirty="0"/>
+                    </a:p>
+                  </a:txBody>
+                  <a:tcPr/>
+                </a:tc>
+                <a:tc>
+                  <a:txBody>
+                    <a:bodyPr/>
+                    <a:lstStyle/>
+                    <a:p>
+                      <a:r>
+                        <a:rPr lang="en-US" altLang="zh-CN" dirty="0" smtClean="0"/>
+                        <a:t>1.7Mbps</a:t>
+                      </a:r>
+                      <a:endParaRPr lang="zh-CN" altLang="en-US" dirty="0"/>
+                    </a:p>
+                  </a:txBody>
+                  <a:tcPr/>
+                </a:tc>
+                <a:tc>
+                  <a:txBody>
+                    <a:bodyPr/>
+                    <a:lstStyle/>
+                    <a:p>
+                      <a:r>
+                        <a:rPr lang="en-US" altLang="zh-CN" dirty="0" smtClean="0"/>
+                        <a:t>3Mbps</a:t>
+                      </a:r>
+                      <a:endParaRPr lang="zh-CN" altLang="en-US" dirty="0"/>
+                    </a:p>
+                  </a:txBody>
+                  <a:tcPr/>
+                </a:tc>
+                <a:tc>
+                  <a:txBody>
+                    <a:bodyPr/>
+                    <a:lstStyle/>
+                    <a:p>
+                      <a:r>
+                        <a:rPr lang="en-US" altLang="zh-CN" dirty="0" smtClean="0"/>
+                        <a:t>2</a:t>
+                      </a:r>
+                      <a:endParaRPr lang="zh-CN" altLang="en-US" dirty="0"/>
+                    </a:p>
+                  </a:txBody>
+                  <a:tcPr/>
+                </a:tc>
+              </a:tr>
+            </a:tbl>
+          </a:graphicData>
+        </a:graphic>
+      </p:graphicFrame>
+      <p:sp>
+        <p:nvSpPr>
+          <p:cNvPr id="55" name="TextBox 54"/>
+          <p:cNvSpPr txBox="1"/>
+          <p:nvPr/>
+        </p:nvSpPr>
+        <p:spPr>
+          <a:xfrm>
+            <a:off x="26511172" y="3996757"/>
+            <a:ext cx="2927767" cy="492443"/>
+          </a:xfrm>
+          <a:prstGeom prst="rect">
+            <a:avLst/>
+          </a:prstGeom>
+          <a:noFill/>
+        </p:spPr>
+        <p:txBody>
+          <a:bodyPr wrap="none" rtlCol="0">
+            <a:spAutoFit/>
+          </a:bodyPr>
+          <a:lstStyle/>
+          <a:p>
+            <a:r>
+              <a:rPr lang="en-US" sz="2600" dirty="0" err="1" smtClean="0"/>
+              <a:t>QoS</a:t>
+            </a:r>
+            <a:r>
+              <a:rPr lang="en-US" sz="2600" dirty="0" smtClean="0"/>
+              <a:t> Configuration</a:t>
+            </a:r>
+            <a:endParaRPr lang="en-US" sz="2600" dirty="0"/>
+          </a:p>
+        </p:txBody>
+      </p:sp>
+      <p:sp>
+        <p:nvSpPr>
+          <p:cNvPr id="56" name="TextBox 55"/>
+          <p:cNvSpPr txBox="1"/>
+          <p:nvPr/>
+        </p:nvSpPr>
+        <p:spPr>
+          <a:xfrm>
+            <a:off x="22135450" y="4038739"/>
+            <a:ext cx="2779289" cy="492443"/>
+          </a:xfrm>
+          <a:prstGeom prst="rect">
+            <a:avLst/>
+          </a:prstGeom>
+          <a:noFill/>
+        </p:spPr>
+        <p:txBody>
+          <a:bodyPr wrap="none" rtlCol="0">
+            <a:spAutoFit/>
+          </a:bodyPr>
+          <a:lstStyle/>
+          <a:p>
+            <a:r>
+              <a:rPr lang="en-US" sz="2600" dirty="0" smtClean="0"/>
+              <a:t>Experiment setup</a:t>
+            </a:r>
+            <a:endParaRPr lang="en-US" sz="2600" dirty="0"/>
+          </a:p>
+        </p:txBody>
+      </p:sp>
+      <p:sp>
+        <p:nvSpPr>
+          <p:cNvPr id="52" name="TextBox 51"/>
+          <p:cNvSpPr txBox="1"/>
+          <p:nvPr/>
+        </p:nvSpPr>
+        <p:spPr>
+          <a:xfrm>
+            <a:off x="21337998" y="11190259"/>
+            <a:ext cx="9176664" cy="954107"/>
+          </a:xfrm>
+          <a:prstGeom prst="rect">
+            <a:avLst/>
+          </a:prstGeom>
+          <a:noFill/>
+        </p:spPr>
+        <p:txBody>
+          <a:bodyPr wrap="square" rtlCol="0">
+            <a:spAutoFit/>
+          </a:bodyPr>
+          <a:lstStyle/>
+          <a:p>
+            <a:r>
+              <a:rPr lang="en-US" sz="2800" dirty="0" smtClean="0"/>
+              <a:t>Q2: </a:t>
+            </a:r>
+            <a:r>
+              <a:rPr lang="en-US" sz="2800" dirty="0"/>
+              <a:t>Can high priority flow acquire </a:t>
+            </a:r>
+            <a:r>
+              <a:rPr lang="en-US" sz="2800" dirty="0" smtClean="0"/>
+              <a:t>the desired </a:t>
+            </a:r>
+            <a:r>
+              <a:rPr lang="en-US" sz="2800" dirty="0"/>
+              <a:t>bandwidth in a congested network?</a:t>
+            </a:r>
+          </a:p>
+        </p:txBody>
+      </p:sp>
+      <p:sp>
+        <p:nvSpPr>
+          <p:cNvPr id="57" name="TextBox 56"/>
+          <p:cNvSpPr txBox="1"/>
+          <p:nvPr/>
+        </p:nvSpPr>
+        <p:spPr>
+          <a:xfrm>
+            <a:off x="23121271" y="10739642"/>
+            <a:ext cx="1172354" cy="369332"/>
+          </a:xfrm>
+          <a:prstGeom prst="rect">
+            <a:avLst/>
+          </a:prstGeom>
+          <a:noFill/>
+        </p:spPr>
+        <p:txBody>
+          <a:bodyPr wrap="none" rtlCol="0">
+            <a:spAutoFit/>
+          </a:bodyPr>
+          <a:lstStyle/>
+          <a:p>
+            <a:r>
+              <a:rPr lang="en-US" sz="1800" dirty="0" smtClean="0"/>
+              <a:t>With </a:t>
+            </a:r>
+            <a:r>
+              <a:rPr lang="en-US" sz="1800" dirty="0" err="1" smtClean="0"/>
+              <a:t>QoS</a:t>
+            </a:r>
+            <a:endParaRPr lang="en-US" sz="1800" dirty="0"/>
+          </a:p>
+        </p:txBody>
+      </p:sp>
+      <p:sp>
+        <p:nvSpPr>
+          <p:cNvPr id="58" name="TextBox 57"/>
+          <p:cNvSpPr txBox="1"/>
+          <p:nvPr/>
+        </p:nvSpPr>
+        <p:spPr>
+          <a:xfrm>
+            <a:off x="23154611" y="15337086"/>
+            <a:ext cx="1172354" cy="369332"/>
+          </a:xfrm>
+          <a:prstGeom prst="rect">
+            <a:avLst/>
+          </a:prstGeom>
+          <a:noFill/>
+        </p:spPr>
+        <p:txBody>
+          <a:bodyPr wrap="none" rtlCol="0">
+            <a:spAutoFit/>
+          </a:bodyPr>
+          <a:lstStyle/>
+          <a:p>
+            <a:r>
+              <a:rPr lang="en-US" sz="1800" dirty="0" smtClean="0"/>
+              <a:t>With </a:t>
+            </a:r>
+            <a:r>
+              <a:rPr lang="en-US" sz="1800" dirty="0" err="1" smtClean="0"/>
+              <a:t>QoS</a:t>
+            </a:r>
+            <a:endParaRPr lang="en-US" sz="1800" dirty="0"/>
+          </a:p>
+        </p:txBody>
+      </p:sp>
+      <p:sp>
+        <p:nvSpPr>
+          <p:cNvPr id="59" name="TextBox 58"/>
+          <p:cNvSpPr txBox="1"/>
+          <p:nvPr/>
+        </p:nvSpPr>
+        <p:spPr>
+          <a:xfrm>
+            <a:off x="27639212" y="10812666"/>
+            <a:ext cx="1493242" cy="369332"/>
+          </a:xfrm>
+          <a:prstGeom prst="rect">
+            <a:avLst/>
+          </a:prstGeom>
+          <a:noFill/>
+        </p:spPr>
+        <p:txBody>
+          <a:bodyPr wrap="none" rtlCol="0">
+            <a:spAutoFit/>
+          </a:bodyPr>
+          <a:lstStyle/>
+          <a:p>
+            <a:r>
+              <a:rPr lang="en-US" sz="1800" dirty="0" smtClean="0"/>
+              <a:t>Without </a:t>
+            </a:r>
+            <a:r>
+              <a:rPr lang="en-US" sz="1800" dirty="0" err="1" smtClean="0"/>
+              <a:t>QoS</a:t>
+            </a:r>
+            <a:endParaRPr lang="en-US" sz="1800" dirty="0"/>
+          </a:p>
+        </p:txBody>
+      </p:sp>
+      <p:sp>
+        <p:nvSpPr>
+          <p:cNvPr id="60" name="TextBox 59"/>
+          <p:cNvSpPr txBox="1"/>
+          <p:nvPr/>
+        </p:nvSpPr>
+        <p:spPr>
+          <a:xfrm>
+            <a:off x="27672552" y="15330734"/>
+            <a:ext cx="1493242" cy="369332"/>
+          </a:xfrm>
+          <a:prstGeom prst="rect">
+            <a:avLst/>
+          </a:prstGeom>
+          <a:noFill/>
+        </p:spPr>
+        <p:txBody>
+          <a:bodyPr wrap="none" rtlCol="0">
+            <a:spAutoFit/>
+          </a:bodyPr>
+          <a:lstStyle/>
+          <a:p>
+            <a:r>
+              <a:rPr lang="en-US" sz="1800" dirty="0" smtClean="0"/>
+              <a:t>Without </a:t>
+            </a:r>
+            <a:r>
+              <a:rPr lang="en-US" sz="1800" dirty="0" err="1" smtClean="0"/>
+              <a:t>QoS</a:t>
+            </a:r>
+            <a:endParaRPr lang="en-US" sz="1800" dirty="0"/>
+          </a:p>
+        </p:txBody>
+      </p:sp>
+      <p:sp>
+        <p:nvSpPr>
+          <p:cNvPr id="63" name="Shape 28"/>
+          <p:cNvSpPr txBox="1">
+            <a:spLocks noChangeAspect="1"/>
+          </p:cNvSpPr>
+          <p:nvPr/>
+        </p:nvSpPr>
+        <p:spPr>
+          <a:xfrm>
+            <a:off x="9479057" y="9975097"/>
+            <a:ext cx="11616489" cy="1608709"/>
           </a:xfrm>
           <a:prstGeom prst="rect">
             <a:avLst/>
@@ -4026,178 +4238,470 @@
           </a:ln>
         </p:spPr>
         <p:txBody>
-          <a:bodyPr lIns="177782" tIns="177782" rIns="177782" bIns="177782" anchor="ctr" anchorCtr="1">
+          <a:bodyPr lIns="177782" tIns="177782" rIns="177782" bIns="177782" anchor="t" anchorCtr="0">
             <a:noAutofit/>
           </a:bodyPr>
           <a:lstStyle/>
           <a:p>
-            <a:pPr>
-              <a:buClr>
-                <a:schemeClr val="dk1"/>
-              </a:buClr>
-              <a:buSzPct val="25000"/>
-            </a:pPr>
-            <a:r>
-              <a:rPr lang="en-US" sz="3100" dirty="0">
-                <a:solidFill>
-                  <a:schemeClr val="dk1"/>
-                </a:solidFill>
-                <a:latin typeface="Impact"/>
-                <a:ea typeface="Impact"/>
-                <a:cs typeface="Impact"/>
-                <a:sym typeface="Impact"/>
+            <a:r>
+              <a:rPr lang="en-US" sz="2800" b="1" dirty="0" smtClean="0"/>
+              <a:t>Configurable</a:t>
+            </a:r>
+            <a:r>
+              <a:rPr lang="en-US" sz="2800" dirty="0"/>
+              <a:t>: </a:t>
+            </a:r>
+            <a:r>
+              <a:rPr lang="en-US" sz="2800" dirty="0" smtClean="0"/>
+              <a:t>Users could modify </a:t>
+            </a:r>
+            <a:r>
+              <a:rPr lang="en-US" sz="2800" dirty="0" err="1"/>
+              <a:t>QoS</a:t>
+            </a:r>
+            <a:r>
+              <a:rPr lang="en-US" sz="2800" dirty="0"/>
+              <a:t> policies at runtime</a:t>
+            </a:r>
+            <a:endParaRPr lang="en-US" sz="2800" dirty="0" smtClean="0"/>
+          </a:p>
+          <a:p>
+            <a:r>
+              <a:rPr lang="en-US" sz="2800" b="1" dirty="0" smtClean="0"/>
+              <a:t>Adaptive</a:t>
+            </a:r>
+            <a:r>
+              <a:rPr lang="en-US" sz="2800" dirty="0"/>
+              <a:t>: </a:t>
+            </a:r>
+            <a:r>
+              <a:rPr lang="en-US" sz="2800" dirty="0" err="1"/>
+              <a:t>QoSManger</a:t>
+            </a:r>
+            <a:r>
+              <a:rPr lang="en-US" sz="2800" dirty="0"/>
+              <a:t> </a:t>
+            </a:r>
+            <a:r>
+              <a:rPr lang="en-US" sz="2800" dirty="0" smtClean="0"/>
+              <a:t>monitors </a:t>
+            </a:r>
+            <a:r>
+              <a:rPr lang="en-US" sz="2800" dirty="0"/>
+              <a:t>the network and dynamically installs traffic shaping rules for application flows</a:t>
+            </a:r>
+          </a:p>
+          <a:p>
+            <a:pPr marL="342900" indent="-342900">
+              <a:buFont typeface="Wingdings" charset="2"/>
+              <a:buChar char="§"/>
+            </a:pPr>
+            <a:endParaRPr lang="en-US" sz="2800" dirty="0" smtClean="0"/>
+          </a:p>
+          <a:p>
+            <a:pPr marL="342900" indent="-342900">
+              <a:buFont typeface="Wingdings" charset="2"/>
+              <a:buChar char="§"/>
+            </a:pPr>
+            <a:endParaRPr lang="en-US" sz="2800" dirty="0"/>
+          </a:p>
+          <a:p>
+            <a:pPr marL="342900" indent="-342900">
+              <a:buFont typeface="Wingdings" charset="2"/>
+              <a:buChar char="§"/>
+            </a:pPr>
+            <a:endParaRPr lang="en-US" sz="2600" dirty="0" smtClean="0"/>
+          </a:p>
+          <a:p>
+            <a:pPr marL="342900" indent="-342900">
+              <a:buFont typeface="Wingdings" charset="2"/>
+              <a:buChar char="§"/>
+            </a:pPr>
+            <a:endParaRPr lang="en-US" sz="2500" dirty="0" smtClean="0"/>
+          </a:p>
+          <a:p>
+            <a:endParaRPr lang="en-US" sz="2500" dirty="0"/>
+          </a:p>
+          <a:p>
+            <a:endParaRPr lang="en-US" sz="2500" dirty="0" smtClean="0"/>
+          </a:p>
+          <a:p>
+            <a:endParaRPr lang="en-US" sz="2000" dirty="0"/>
+          </a:p>
+          <a:p>
+            <a:endParaRPr lang="en-US" sz="2000" dirty="0" smtClean="0"/>
+          </a:p>
+          <a:p>
+            <a:endParaRPr lang="en-US" sz="2000" dirty="0"/>
+          </a:p>
+          <a:p>
+            <a:endParaRPr lang="en-US" sz="2000" dirty="0" smtClean="0"/>
+          </a:p>
+          <a:p>
+            <a:endParaRPr lang="en-US" sz="2000" dirty="0"/>
+          </a:p>
+        </p:txBody>
+      </p:sp>
+      <p:sp>
+        <p:nvSpPr>
+          <p:cNvPr id="62" name="Shape 41"/>
+          <p:cNvSpPr txBox="1"/>
+          <p:nvPr/>
+        </p:nvSpPr>
+        <p:spPr>
+          <a:xfrm>
+            <a:off x="550965" y="12382622"/>
+            <a:ext cx="8202197" cy="7223195"/>
+          </a:xfrm>
+          <a:prstGeom prst="rect">
+            <a:avLst/>
+          </a:prstGeom>
+          <a:solidFill>
+            <a:srgbClr val="DDDDDD"/>
+          </a:solidFill>
+          <a:ln>
+            <a:noFill/>
+          </a:ln>
+        </p:spPr>
+        <p:txBody>
+          <a:bodyPr lIns="177782" tIns="177782" rIns="177782" bIns="177782" anchor="t" anchorCtr="0">
+            <a:noAutofit/>
+          </a:bodyPr>
+          <a:lstStyle/>
+          <a:p>
+            <a:pPr marL="457200" indent="-457200">
+              <a:buFont typeface="Wingdings" charset="2"/>
+              <a:buChar char="§"/>
+            </a:pPr>
+            <a:r>
+              <a:rPr lang="en-US" sz="2600" b="1" i="1" dirty="0">
+                <a:solidFill>
+                  <a:schemeClr val="dk1"/>
+                </a:solidFill>
               </a:rPr>
-              <a:t>WORD</a:t>
-            </a:r>
-            <a:r>
-              <a:rPr lang="zh-CN" altLang="en-US" sz="3100" dirty="0">
-                <a:solidFill>
-                  <a:schemeClr val="dk1"/>
-                </a:solidFill>
-                <a:latin typeface="Impact"/>
-                <a:ea typeface="Impact"/>
-                <a:cs typeface="Impact"/>
-                <a:sym typeface="Impact"/>
+              <a:t>n</a:t>
+            </a:r>
+            <a:r>
+              <a:rPr lang="en-US" sz="2600" dirty="0">
+                <a:solidFill>
+                  <a:schemeClr val="dk1"/>
+                </a:solidFill>
+              </a:rPr>
+              <a:t> traffic </a:t>
+            </a:r>
+            <a:r>
+              <a:rPr lang="en-US" sz="2600" dirty="0" smtClean="0">
+                <a:solidFill>
+                  <a:schemeClr val="dk1"/>
+                </a:solidFill>
+              </a:rPr>
+              <a:t>flows are competing for the shared link with capacity </a:t>
+            </a:r>
+            <a:r>
+              <a:rPr lang="en-US" sz="2600" b="1" i="1" dirty="0" smtClean="0">
+                <a:solidFill>
+                  <a:schemeClr val="dk1"/>
+                </a:solidFill>
+              </a:rPr>
+              <a:t>C</a:t>
+            </a:r>
+            <a:r>
+              <a:rPr lang="en-US" sz="2600" b="1" i="1" dirty="0" smtClean="0">
+                <a:solidFill>
+                  <a:schemeClr val="dk1"/>
+                </a:solidFill>
+              </a:rPr>
+              <a:t>.</a:t>
+            </a:r>
+            <a:r>
+              <a:rPr lang="en-US" sz="2600" dirty="0">
+                <a:solidFill>
+                  <a:schemeClr val="dk1"/>
+                </a:solidFill>
               </a:rPr>
               <a:t> </a:t>
             </a:r>
             <a:r>
-              <a:rPr lang="en-US" altLang="zh-CN" sz="3100" dirty="0">
-                <a:solidFill>
-                  <a:schemeClr val="dk1"/>
-                </a:solidFill>
-                <a:latin typeface="Impact"/>
-                <a:ea typeface="Impact"/>
-                <a:cs typeface="Impact"/>
-                <a:sym typeface="Impact"/>
+              <a:rPr lang="en-US" sz="2600" dirty="0" smtClean="0">
+                <a:solidFill>
+                  <a:schemeClr val="dk1"/>
+                </a:solidFill>
               </a:rPr>
-              <a:t>SPACE</a:t>
-            </a:r>
-            <a:r>
-              <a:rPr lang="zh-CN" altLang="en-US" sz="3100" dirty="0">
-                <a:solidFill>
-                  <a:schemeClr val="dk1"/>
-                </a:solidFill>
-                <a:latin typeface="Impact"/>
-                <a:ea typeface="Impact"/>
-                <a:cs typeface="Impact"/>
-                <a:sym typeface="Impact"/>
+              <a:t>Thus, </a:t>
+            </a:r>
+            <a:r>
+              <a:rPr lang="en-US" sz="2600" dirty="0">
+                <a:solidFill>
+                  <a:schemeClr val="dk1"/>
+                </a:solidFill>
               </a:rPr>
-              <a:t> </a:t>
-            </a:r>
-            <a:r>
-              <a:rPr lang="en-US" altLang="zh-CN" sz="3100" dirty="0">
-                <a:solidFill>
-                  <a:schemeClr val="dk1"/>
-                </a:solidFill>
-                <a:latin typeface="Impact"/>
-                <a:ea typeface="Impact"/>
-                <a:cs typeface="Impact"/>
-                <a:sym typeface="Impact"/>
+              <a:t>w</a:t>
+            </a:r>
+            <a:r>
+              <a:rPr lang="en-US" sz="2600" dirty="0" smtClean="0">
+                <a:solidFill>
+                  <a:schemeClr val="dk1"/>
+                </a:solidFill>
               </a:rPr>
-              <a:t>GENERATION</a:t>
-            </a:r>
-            <a:endParaRPr lang="en-US" sz="3100" dirty="0">
+              <a:t>e need to prioritize the traffic </a:t>
+            </a:r>
+            <a:r>
+              <a:rPr lang="en-US" sz="2600" dirty="0" smtClean="0">
+                <a:solidFill>
+                  <a:schemeClr val="dk1"/>
+                </a:solidFill>
+              </a:rPr>
+              <a:t>flows</a:t>
+            </a:r>
+            <a:endParaRPr lang="en-US" sz="2600" dirty="0" smtClean="0">
               <a:solidFill>
                 <a:schemeClr val="dk1"/>
               </a:solidFill>
-              <a:latin typeface="Impact"/>
-              <a:ea typeface="Impact"/>
-              <a:cs typeface="Impact"/>
-              <a:sym typeface="Impact"/>
+            </a:endParaRPr>
+          </a:p>
+          <a:p>
+            <a:pPr marL="457200" indent="-457200">
+              <a:buFont typeface="Wingdings" charset="2"/>
+              <a:buChar char="§"/>
+            </a:pPr>
+            <a:endParaRPr lang="en-US" sz="2600" dirty="0" smtClean="0">
+              <a:solidFill>
+                <a:schemeClr val="dk1"/>
+              </a:solidFill>
+            </a:endParaRPr>
+          </a:p>
+          <a:p>
+            <a:pPr marL="457200" indent="-457200">
+              <a:buFont typeface="Wingdings" charset="2"/>
+              <a:buChar char="§"/>
+            </a:pPr>
+            <a:r>
+              <a:rPr lang="en-US" sz="2600" dirty="0" smtClean="0">
+                <a:solidFill>
+                  <a:schemeClr val="dk1"/>
+                </a:solidFill>
+              </a:rPr>
+              <a:t>We assign a score to each flow as </a:t>
+            </a:r>
+          </a:p>
+          <a:p>
+            <a:pPr marL="457200" indent="-457200">
+              <a:buFont typeface="Wingdings" charset="2"/>
+              <a:buChar char="§"/>
+            </a:pPr>
+            <a:endParaRPr lang="en-US" sz="2600" dirty="0">
+              <a:solidFill>
+                <a:schemeClr val="dk1"/>
+              </a:solidFill>
+            </a:endParaRPr>
+          </a:p>
+          <a:p>
+            <a:pPr marL="457200" indent="-457200">
+              <a:buFont typeface="Wingdings" charset="2"/>
+              <a:buChar char="§"/>
+            </a:pPr>
+            <a:endParaRPr lang="en-US" sz="2600" dirty="0" smtClean="0">
+              <a:solidFill>
+                <a:schemeClr val="dk1"/>
+              </a:solidFill>
+            </a:endParaRPr>
+          </a:p>
+          <a:p>
+            <a:pPr marL="457200" indent="-457200">
+              <a:buFont typeface="Wingdings" charset="2"/>
+              <a:buChar char="§"/>
+            </a:pPr>
+            <a:endParaRPr lang="en-US" sz="2600" dirty="0">
+              <a:solidFill>
+                <a:schemeClr val="dk1"/>
+              </a:solidFill>
+            </a:endParaRPr>
+          </a:p>
+          <a:p>
+            <a:pPr marL="457200" indent="-457200">
+              <a:buFont typeface="Wingdings" charset="2"/>
+              <a:buChar char="§"/>
+            </a:pPr>
+            <a:endParaRPr lang="en-US" sz="2600" dirty="0" smtClean="0">
+              <a:solidFill>
+                <a:schemeClr val="dk1"/>
+              </a:solidFill>
+            </a:endParaRPr>
+          </a:p>
+          <a:p>
+            <a:endParaRPr lang="en-US" sz="2600" dirty="0">
+              <a:solidFill>
+                <a:schemeClr val="dk1"/>
+              </a:solidFill>
+            </a:endParaRPr>
+          </a:p>
+          <a:p>
+            <a:pPr marL="457200" indent="-457200">
+              <a:buFont typeface="Wingdings" charset="2"/>
+              <a:buChar char="§"/>
+            </a:pPr>
+            <a:r>
+              <a:rPr lang="en-US" sz="2600" dirty="0" smtClean="0">
+                <a:solidFill>
+                  <a:schemeClr val="dk1"/>
+                </a:solidFill>
+              </a:rPr>
+              <a:t>The </a:t>
+            </a:r>
+            <a:r>
+              <a:rPr lang="en-US" sz="2600" dirty="0">
+                <a:solidFill>
+                  <a:schemeClr val="dk1"/>
+                </a:solidFill>
+              </a:rPr>
+              <a:t>goal is </a:t>
+            </a:r>
+            <a:r>
+              <a:rPr lang="en-US" sz="2600" dirty="0" smtClean="0">
+                <a:solidFill>
+                  <a:schemeClr val="dk1"/>
+                </a:solidFill>
+              </a:rPr>
+              <a:t>to assign an </a:t>
+            </a:r>
+            <a:r>
+              <a:rPr lang="en-US" sz="2600" dirty="0" smtClean="0">
+                <a:solidFill>
+                  <a:schemeClr val="dk1"/>
+                </a:solidFill>
+              </a:rPr>
+              <a:t>appropriate </a:t>
+            </a:r>
+            <a:r>
+              <a:rPr lang="en-US" sz="2600" dirty="0" smtClean="0">
+                <a:solidFill>
+                  <a:schemeClr val="dk1"/>
+                </a:solidFill>
+              </a:rPr>
+              <a:t>rate to each flow to </a:t>
+            </a:r>
+            <a:r>
+              <a:rPr lang="en-US" sz="2600" dirty="0">
+                <a:solidFill>
+                  <a:schemeClr val="dk1"/>
+                </a:solidFill>
+              </a:rPr>
+              <a:t>maximize the </a:t>
+            </a:r>
+            <a:r>
+              <a:rPr lang="en-US" sz="2600" dirty="0" err="1">
+                <a:solidFill>
+                  <a:schemeClr val="dk1"/>
+                </a:solidFill>
+              </a:rPr>
+              <a:t>QoS</a:t>
+            </a:r>
+            <a:r>
+              <a:rPr lang="en-US" sz="2600" dirty="0">
+                <a:solidFill>
+                  <a:schemeClr val="dk1"/>
+                </a:solidFill>
+              </a:rPr>
+              <a:t> utility </a:t>
+            </a:r>
+            <a:r>
+              <a:rPr lang="en-US" sz="2600" dirty="0" smtClean="0">
+                <a:solidFill>
+                  <a:schemeClr val="dk1"/>
+                </a:solidFill>
+              </a:rPr>
+              <a:t>function</a:t>
+            </a:r>
+          </a:p>
+          <a:p>
+            <a:pPr marL="457200" indent="-457200">
+              <a:buFont typeface="Wingdings" charset="2"/>
+              <a:buChar char="§"/>
+            </a:pPr>
+            <a:endParaRPr lang="en-US" sz="2600" dirty="0" smtClean="0">
+              <a:solidFill>
+                <a:schemeClr val="dk1"/>
+              </a:solidFill>
+            </a:endParaRPr>
+          </a:p>
+          <a:p>
+            <a:pPr marL="457200" indent="-457200">
+              <a:buFont typeface="Wingdings" charset="2"/>
+              <a:buChar char="§"/>
+            </a:pPr>
+            <a:endParaRPr lang="en-US" sz="2600" dirty="0">
+              <a:solidFill>
+                <a:schemeClr val="dk1"/>
+              </a:solidFill>
+            </a:endParaRPr>
+          </a:p>
+          <a:p>
+            <a:pPr marL="457200" indent="-457200">
+              <a:buFont typeface="Wingdings" charset="2"/>
+              <a:buChar char="§"/>
+            </a:pPr>
+            <a:endParaRPr lang="en-US" sz="2600" dirty="0" smtClean="0">
+              <a:solidFill>
+                <a:schemeClr val="dk1"/>
+              </a:solidFill>
+            </a:endParaRPr>
+          </a:p>
+          <a:p>
+            <a:pPr marL="457200" indent="-457200">
+              <a:buFont typeface="Wingdings" charset="2"/>
+              <a:buChar char="§"/>
+            </a:pPr>
+            <a:endParaRPr lang="en-US" sz="2600" dirty="0">
+              <a:solidFill>
+                <a:schemeClr val="dk1"/>
+              </a:solidFill>
+            </a:endParaRPr>
+          </a:p>
+          <a:p>
+            <a:pPr marL="457200" indent="-457200">
+              <a:buFont typeface="Wingdings" charset="2"/>
+              <a:buChar char="§"/>
+            </a:pPr>
+            <a:endParaRPr lang="en-US" sz="2600" dirty="0" smtClean="0">
+              <a:solidFill>
+                <a:schemeClr val="dk1"/>
+              </a:solidFill>
+            </a:endParaRPr>
+          </a:p>
+          <a:p>
+            <a:endParaRPr lang="en-US" sz="2600" dirty="0" smtClean="0">
+              <a:solidFill>
+                <a:schemeClr val="dk1"/>
+              </a:solidFill>
+            </a:endParaRPr>
+          </a:p>
+          <a:p>
+            <a:endParaRPr lang="en-US" sz="2600" dirty="0">
+              <a:solidFill>
+                <a:schemeClr val="dk1"/>
+              </a:solidFill>
+            </a:endParaRPr>
+          </a:p>
+          <a:p>
+            <a:r>
+              <a:rPr lang="en-US" sz="2600" dirty="0" smtClean="0">
+                <a:solidFill>
+                  <a:schemeClr val="dk1"/>
+                </a:solidFill>
+              </a:rPr>
+              <a:t> </a:t>
+            </a:r>
+            <a:endParaRPr sz="2600" dirty="0">
+              <a:solidFill>
+                <a:schemeClr val="dk1"/>
+              </a:solidFill>
             </a:endParaRPr>
           </a:p>
         </p:txBody>
       </p:sp>
       <p:pic>
         <p:nvPicPr>
-          <p:cNvPr id="43" name="Shape 43"/>
-          <p:cNvPicPr preferRelativeResize="0"/>
-          <p:nvPr/>
-        </p:nvPicPr>
-        <p:blipFill>
-          <a:blip r:embed="rId4">
-            <a:alphaModFix/>
-          </a:blip>
-          <a:stretch>
-            <a:fillRect/>
-          </a:stretch>
-        </p:blipFill>
-        <p:spPr>
-          <a:xfrm>
-            <a:off x="6527371" y="12751265"/>
-            <a:ext cx="2674560" cy="2595907"/>
-          </a:xfrm>
-          <a:prstGeom prst="rect">
-            <a:avLst/>
-          </a:prstGeom>
-          <a:noFill/>
-          <a:ln>
-            <a:noFill/>
-          </a:ln>
-        </p:spPr>
-      </p:pic>
-      <p:pic>
-        <p:nvPicPr>
-          <p:cNvPr id="44" name="Shape 44"/>
-          <p:cNvPicPr preferRelativeResize="0"/>
-          <p:nvPr/>
-        </p:nvPicPr>
-        <p:blipFill>
-          <a:blip r:embed="rId5">
-            <a:alphaModFix/>
-          </a:blip>
-          <a:stretch>
-            <a:fillRect/>
-          </a:stretch>
-        </p:blipFill>
-        <p:spPr>
-          <a:xfrm>
-            <a:off x="10354585" y="12713756"/>
-            <a:ext cx="2674560" cy="2595902"/>
-          </a:xfrm>
-          <a:prstGeom prst="rect">
-            <a:avLst/>
-          </a:prstGeom>
-          <a:noFill/>
-          <a:ln>
-            <a:noFill/>
-          </a:ln>
-        </p:spPr>
-      </p:pic>
-      <p:pic>
-        <p:nvPicPr>
-          <p:cNvPr id="2" name="图片 1" descr="General.eps"/>
-          <p:cNvPicPr>
-            <a:picLocks noChangeAspect="1"/>
-          </p:cNvPicPr>
-          <p:nvPr/>
-        </p:nvPicPr>
-        <p:blipFill>
-          <a:blip r:embed="rId6">
-            <a:extLst>
-              <a:ext uri="{28A0092B-C50C-407E-A947-70E740481C1C}">
-                <a14:useLocalDpi xmlns:a14="http://schemas.microsoft.com/office/drawing/2010/main" val="0"/>
-              </a:ext>
-            </a:extLst>
-          </a:blip>
-          <a:stretch>
-            <a:fillRect/>
-          </a:stretch>
-        </p:blipFill>
-        <p:spPr>
-          <a:xfrm>
-            <a:off x="14293620" y="4208699"/>
-            <a:ext cx="7702386" cy="8345129"/>
-          </a:xfrm>
-          <a:prstGeom prst="rect">
-            <a:avLst/>
-          </a:prstGeom>
-        </p:spPr>
-      </p:pic>
-      <p:pic>
-        <p:nvPicPr>
-          <p:cNvPr id="3" name="图片 2" descr="figure_1.png"/>
+          <p:cNvPr id="5" name="Picture 4" descr="1.png"/>
           <p:cNvPicPr>
             <a:picLocks noChangeAspect="1"/>
           </p:cNvPicPr>
@@ -4217,1038 +4721,686 @@
         </p:blipFill>
         <p:spPr>
           <a:xfrm>
-            <a:off x="8478152" y="16175431"/>
-            <a:ext cx="2700502" cy="2621075"/>
+            <a:off x="746143" y="14871874"/>
+            <a:ext cx="7823835" cy="1388555"/>
           </a:xfrm>
           <a:prstGeom prst="rect">
             <a:avLst/>
           </a:prstGeom>
         </p:spPr>
       </p:pic>
-      <p:graphicFrame>
-        <p:nvGraphicFramePr>
-          <p:cNvPr id="8" name="表格 7"/>
-          <p:cNvGraphicFramePr>
-            <a:graphicFrameLocks noGrp="1"/>
-          </p:cNvGraphicFramePr>
-          <p:nvPr>
-            <p:extLst>
-              <p:ext uri="{D42A27DB-BD31-4B8C-83A1-F6EECF244321}">
-                <p14:modId xmlns:p14="http://schemas.microsoft.com/office/powerpoint/2010/main" val="4099933407"/>
-              </p:ext>
-            </p:extLst>
-          </p:nvPr>
-        </p:nvGraphicFramePr>
-        <p:xfrm>
-          <a:off x="22661245" y="10880883"/>
-          <a:ext cx="7753662" cy="1461730"/>
-        </p:xfrm>
-        <a:graphic>
-          <a:graphicData uri="http://schemas.openxmlformats.org/drawingml/2006/table">
-            <a:tbl>
-              <a:tblPr firstRow="1" bandRow="1">
-                <a:tableStyleId>{073A0DAA-6AF3-43AB-8588-CEC1D06C72B9}</a:tableStyleId>
-              </a:tblPr>
-              <a:tblGrid>
-                <a:gridCol w="861518"/>
-                <a:gridCol w="861518"/>
-                <a:gridCol w="861518"/>
-                <a:gridCol w="861518"/>
-                <a:gridCol w="861518"/>
-                <a:gridCol w="861518"/>
-                <a:gridCol w="861518"/>
-                <a:gridCol w="861518"/>
-                <a:gridCol w="861518"/>
-              </a:tblGrid>
-              <a:tr h="670560">
-                <a:tc>
-                  <a:txBody>
-                    <a:bodyPr/>
-                    <a:lstStyle/>
-                    <a:p>
-                      <a:endParaRPr lang="zh-CN" altLang="en-US" sz="1300" dirty="0"/>
-                    </a:p>
-                  </a:txBody>
-                  <a:tcPr marL="64770" marR="64770" marT="41910" marB="41910"/>
-                </a:tc>
-                <a:tc>
-                  <a:txBody>
-                    <a:bodyPr/>
-                    <a:lstStyle/>
-                    <a:p>
-                      <a:r>
-                        <a:rPr lang="en-US" altLang="zh-CN" sz="1300" dirty="0" smtClean="0"/>
-                        <a:t>Food, Drink</a:t>
-                      </a:r>
-                      <a:endParaRPr lang="zh-CN" altLang="en-US" sz="1300" dirty="0"/>
-                    </a:p>
-                  </a:txBody>
-                  <a:tcPr marL="64770" marR="64770" marT="41910" marB="41910"/>
-                </a:tc>
-                <a:tc>
-                  <a:txBody>
-                    <a:bodyPr/>
-                    <a:lstStyle/>
-                    <a:p>
-                      <a:r>
-                        <a:rPr lang="en-US" altLang="zh-CN" sz="1300" b="1" i="0" u="none" strike="noStrike" cap="none" baseline="0" dirty="0" smtClean="0">
-                          <a:solidFill>
-                            <a:schemeClr val="lt1"/>
-                          </a:solidFill>
-                          <a:latin typeface="+mn-lt"/>
-                          <a:ea typeface="+mn-ea"/>
-                          <a:cs typeface="+mn-cs"/>
-                          <a:sym typeface="Arial"/>
-                          <a:rtl val="0"/>
-                        </a:rPr>
-                        <a:t>Internet, Computer</a:t>
-                      </a:r>
-                      <a:endParaRPr lang="zh-CN" altLang="en-US" sz="1300" dirty="0"/>
-                    </a:p>
-                  </a:txBody>
-                  <a:tcPr marL="64770" marR="64770" marT="41910" marB="41910"/>
-                </a:tc>
-                <a:tc>
-                  <a:txBody>
-                    <a:bodyPr/>
-                    <a:lstStyle/>
-                    <a:p>
-                      <a:r>
-                        <a:rPr lang="en-US" altLang="zh-CN" sz="1300" b="1" i="0" u="none" strike="noStrike" cap="none" baseline="0" dirty="0" smtClean="0">
-                          <a:solidFill>
-                            <a:schemeClr val="lt1"/>
-                          </a:solidFill>
-                          <a:latin typeface="+mn-lt"/>
-                          <a:ea typeface="+mn-ea"/>
-                          <a:cs typeface="+mn-cs"/>
-                          <a:sym typeface="Arial"/>
-                          <a:rtl val="0"/>
-                        </a:rPr>
-                        <a:t>Automotive, Transportation</a:t>
-                      </a:r>
-                      <a:endParaRPr lang="zh-CN" altLang="en-US" sz="1300" dirty="0"/>
-                    </a:p>
-                  </a:txBody>
-                  <a:tcPr marL="64770" marR="64770" marT="41910" marB="41910"/>
-                </a:tc>
-                <a:tc>
-                  <a:txBody>
-                    <a:bodyPr/>
-                    <a:lstStyle/>
-                    <a:p>
-                      <a:r>
-                        <a:rPr lang="en-US" altLang="zh-CN" sz="1300" b="1" i="0" u="none" strike="noStrike" cap="none" baseline="0" dirty="0" smtClean="0">
-                          <a:solidFill>
-                            <a:schemeClr val="lt1"/>
-                          </a:solidFill>
-                          <a:latin typeface="+mn-lt"/>
-                          <a:ea typeface="+mn-ea"/>
-                          <a:cs typeface="+mn-cs"/>
-                          <a:sym typeface="Arial"/>
-                          <a:rtl val="0"/>
-                        </a:rPr>
-                        <a:t>War, Military</a:t>
-                      </a:r>
-                      <a:endParaRPr lang="zh-CN" altLang="en-US" sz="1300" dirty="0"/>
-                    </a:p>
-                  </a:txBody>
-                  <a:tcPr marL="64770" marR="64770" marT="41910" marB="41910"/>
-                </a:tc>
-                <a:tc>
-                  <a:txBody>
-                    <a:bodyPr/>
-                    <a:lstStyle/>
-                    <a:p>
-                      <a:r>
-                        <a:rPr lang="en-US" altLang="zh-CN" sz="1300" b="1" i="0" u="none" strike="noStrike" cap="none" baseline="0" dirty="0" smtClean="0">
-                          <a:solidFill>
-                            <a:schemeClr val="lt1"/>
-                          </a:solidFill>
-                          <a:latin typeface="+mn-lt"/>
-                          <a:ea typeface="+mn-ea"/>
-                          <a:cs typeface="+mn-cs"/>
-                          <a:sym typeface="Arial"/>
-                          <a:rtl val="0"/>
-                        </a:rPr>
-                        <a:t>Government, Politics</a:t>
-                      </a:r>
-                      <a:endParaRPr lang="zh-CN" altLang="en-US" sz="1300" dirty="0"/>
-                    </a:p>
-                  </a:txBody>
-                  <a:tcPr marL="64770" marR="64770" marT="41910" marB="41910"/>
-                </a:tc>
-                <a:tc>
-                  <a:txBody>
-                    <a:bodyPr/>
-                    <a:lstStyle/>
-                    <a:p>
-                      <a:r>
-                        <a:rPr lang="en-US" altLang="zh-CN" sz="1300" b="1" i="0" u="none" strike="noStrike" cap="none" baseline="0" dirty="0" smtClean="0">
-                          <a:solidFill>
-                            <a:schemeClr val="lt1"/>
-                          </a:solidFill>
-                          <a:latin typeface="+mn-lt"/>
-                          <a:ea typeface="+mn-ea"/>
-                          <a:cs typeface="+mn-cs"/>
-                          <a:sym typeface="Arial"/>
-                          <a:rtl val="0"/>
-                        </a:rPr>
-                        <a:t>Religion</a:t>
-                      </a:r>
-                      <a:endParaRPr lang="zh-CN" altLang="en-US" sz="1300" dirty="0"/>
-                    </a:p>
-                  </a:txBody>
-                  <a:tcPr marL="64770" marR="64770" marT="41910" marB="41910"/>
-                </a:tc>
-                <a:tc>
-                  <a:txBody>
-                    <a:bodyPr/>
-                    <a:lstStyle/>
-                    <a:p>
-                      <a:r>
-                        <a:rPr lang="en-US" altLang="zh-CN" sz="1300" b="1" i="0" u="none" strike="noStrike" cap="none" baseline="0" dirty="0" smtClean="0">
-                          <a:solidFill>
-                            <a:schemeClr val="lt1"/>
-                          </a:solidFill>
-                          <a:latin typeface="+mn-lt"/>
-                          <a:ea typeface="+mn-ea"/>
-                          <a:cs typeface="+mn-cs"/>
-                          <a:sym typeface="Arial"/>
-                          <a:rtl val="0"/>
-                        </a:rPr>
-                        <a:t>Science, Engineering</a:t>
-                      </a:r>
-                      <a:endParaRPr lang="zh-CN" altLang="en-US" sz="1300" dirty="0"/>
-                    </a:p>
-                  </a:txBody>
-                  <a:tcPr marL="64770" marR="64770" marT="41910" marB="41910"/>
-                </a:tc>
-                <a:tc>
-                  <a:txBody>
-                    <a:bodyPr/>
-                    <a:lstStyle/>
-                    <a:p>
-                      <a:r>
-                        <a:rPr lang="en-US" altLang="zh-CN" sz="1300" b="1" i="0" u="none" strike="noStrike" cap="none" baseline="0" dirty="0" smtClean="0">
-                          <a:solidFill>
-                            <a:schemeClr val="lt1"/>
-                          </a:solidFill>
-                          <a:latin typeface="+mn-lt"/>
-                          <a:ea typeface="+mn-ea"/>
-                          <a:cs typeface="+mn-cs"/>
-                          <a:sym typeface="Arial"/>
-                          <a:rtl val="0"/>
-                        </a:rPr>
-                        <a:t>Sports</a:t>
-                      </a:r>
-                      <a:endParaRPr lang="zh-CN" altLang="en-US" sz="1300" dirty="0"/>
-                    </a:p>
-                  </a:txBody>
-                  <a:tcPr marL="64770" marR="64770" marT="41910" marB="41910"/>
-                </a:tc>
-              </a:tr>
-              <a:tr h="292715">
-                <a:tc>
-                  <a:txBody>
-                    <a:bodyPr/>
-                    <a:lstStyle/>
-                    <a:p>
-                      <a:r>
-                        <a:rPr lang="en-US" altLang="zh-CN" sz="1300" dirty="0" err="1" smtClean="0"/>
-                        <a:t>SemLoc</a:t>
-                      </a:r>
-                      <a:endParaRPr lang="zh-CN" altLang="en-US" sz="1300" dirty="0"/>
-                    </a:p>
-                  </a:txBody>
-                  <a:tcPr marL="64770" marR="64770" marT="41910" marB="41910"/>
-                </a:tc>
-                <a:tc>
-                  <a:txBody>
-                    <a:bodyPr/>
-                    <a:lstStyle/>
-                    <a:p>
-                      <a:r>
-                        <a:rPr lang="en-US" altLang="zh-CN" sz="1300" dirty="0" smtClean="0"/>
-                        <a:t>92.8%</a:t>
-                      </a:r>
-                      <a:endParaRPr lang="zh-CN" altLang="en-US" sz="1300" dirty="0"/>
-                    </a:p>
-                  </a:txBody>
-                  <a:tcPr marL="64770" marR="64770" marT="41910" marB="41910"/>
-                </a:tc>
-                <a:tc>
-                  <a:txBody>
-                    <a:bodyPr/>
-                    <a:lstStyle/>
-                    <a:p>
-                      <a:r>
-                        <a:rPr lang="en-US" altLang="zh-CN" sz="1300" dirty="0" smtClean="0"/>
-                        <a:t>81.5%</a:t>
-                      </a:r>
-                      <a:endParaRPr lang="zh-CN" altLang="en-US" sz="1300" dirty="0"/>
-                    </a:p>
-                  </a:txBody>
-                  <a:tcPr marL="64770" marR="64770" marT="41910" marB="41910"/>
-                </a:tc>
-                <a:tc>
-                  <a:txBody>
-                    <a:bodyPr/>
-                    <a:lstStyle/>
-                    <a:p>
-                      <a:r>
-                        <a:rPr lang="en-US" altLang="zh-CN" sz="1300" dirty="0" smtClean="0"/>
-                        <a:t>70.1%</a:t>
-                      </a:r>
-                      <a:endParaRPr lang="zh-CN" altLang="en-US" sz="1300" dirty="0"/>
-                    </a:p>
-                  </a:txBody>
-                  <a:tcPr marL="64770" marR="64770" marT="41910" marB="41910"/>
-                </a:tc>
-                <a:tc>
-                  <a:txBody>
-                    <a:bodyPr/>
-                    <a:lstStyle/>
-                    <a:p>
-                      <a:r>
-                        <a:rPr lang="en-US" altLang="zh-CN" sz="1300" dirty="0" smtClean="0"/>
-                        <a:t>62.3%</a:t>
-                      </a:r>
-                      <a:endParaRPr lang="zh-CN" altLang="en-US" sz="1300" dirty="0"/>
-                    </a:p>
-                  </a:txBody>
-                  <a:tcPr marL="64770" marR="64770" marT="41910" marB="41910"/>
-                </a:tc>
-                <a:tc>
-                  <a:txBody>
-                    <a:bodyPr/>
-                    <a:lstStyle/>
-                    <a:p>
-                      <a:r>
-                        <a:rPr lang="en-US" altLang="zh-CN" sz="1300" dirty="0" smtClean="0"/>
-                        <a:t>80.5%</a:t>
-                      </a:r>
-                      <a:endParaRPr lang="zh-CN" altLang="en-US" sz="1300" dirty="0"/>
-                    </a:p>
-                  </a:txBody>
-                  <a:tcPr marL="64770" marR="64770" marT="41910" marB="41910"/>
-                </a:tc>
-                <a:tc>
-                  <a:txBody>
-                    <a:bodyPr/>
-                    <a:lstStyle/>
-                    <a:p>
-                      <a:r>
-                        <a:rPr lang="en-US" altLang="zh-CN" sz="1300" dirty="0" smtClean="0"/>
-                        <a:t>70.1%</a:t>
-                      </a:r>
-                      <a:endParaRPr lang="zh-CN" altLang="en-US" sz="1300" dirty="0"/>
-                    </a:p>
-                  </a:txBody>
-                  <a:tcPr marL="64770" marR="64770" marT="41910" marB="41910"/>
-                </a:tc>
-                <a:tc>
-                  <a:txBody>
-                    <a:bodyPr/>
-                    <a:lstStyle/>
-                    <a:p>
-                      <a:r>
-                        <a:rPr lang="en-US" altLang="zh-CN" sz="1300" dirty="0" smtClean="0"/>
-                        <a:t>74.7%</a:t>
-                      </a:r>
-                      <a:endParaRPr lang="zh-CN" altLang="en-US" sz="1300" dirty="0"/>
-                    </a:p>
-                  </a:txBody>
-                  <a:tcPr marL="64770" marR="64770" marT="41910" marB="41910"/>
-                </a:tc>
-                <a:tc>
-                  <a:txBody>
-                    <a:bodyPr/>
-                    <a:lstStyle/>
-                    <a:p>
-                      <a:r>
-                        <a:rPr lang="en-US" altLang="zh-CN" sz="1300" dirty="0" smtClean="0"/>
-                        <a:t>79.3%</a:t>
-                      </a:r>
-                      <a:endParaRPr lang="zh-CN" altLang="en-US" sz="1300" dirty="0"/>
-                    </a:p>
-                  </a:txBody>
-                  <a:tcPr marL="64770" marR="64770" marT="41910" marB="41910"/>
-                </a:tc>
-              </a:tr>
-              <a:tr h="292715">
-                <a:tc>
-                  <a:txBody>
-                    <a:bodyPr/>
-                    <a:lstStyle/>
-                    <a:p>
-                      <a:r>
-                        <a:rPr lang="en-US" altLang="zh-CN" sz="1300" dirty="0" err="1" smtClean="0"/>
-                        <a:t>MaxEnt</a:t>
-                      </a:r>
-                      <a:endParaRPr lang="zh-CN" altLang="en-US" sz="1300" dirty="0"/>
-                    </a:p>
-                  </a:txBody>
-                  <a:tcPr marL="64770" marR="64770" marT="41910" marB="41910"/>
-                </a:tc>
-                <a:tc>
-                  <a:txBody>
-                    <a:bodyPr/>
-                    <a:lstStyle/>
-                    <a:p>
-                      <a:r>
-                        <a:rPr lang="en-US" altLang="zh-CN" sz="1300" dirty="0" smtClean="0"/>
-                        <a:t>66.2%</a:t>
-                      </a:r>
-                      <a:endParaRPr lang="zh-CN" altLang="en-US" sz="1300" dirty="0"/>
-                    </a:p>
-                  </a:txBody>
-                  <a:tcPr marL="64770" marR="64770" marT="41910" marB="41910"/>
-                </a:tc>
-                <a:tc>
-                  <a:txBody>
-                    <a:bodyPr/>
-                    <a:lstStyle/>
-                    <a:p>
-                      <a:r>
-                        <a:rPr lang="en-US" altLang="zh-CN" sz="1300" dirty="0" smtClean="0"/>
-                        <a:t>31.9%</a:t>
-                      </a:r>
-                      <a:endParaRPr lang="zh-CN" altLang="en-US" sz="1300" dirty="0"/>
-                    </a:p>
-                  </a:txBody>
-                  <a:tcPr marL="64770" marR="64770" marT="41910" marB="41910"/>
-                </a:tc>
-                <a:tc>
-                  <a:txBody>
-                    <a:bodyPr/>
-                    <a:lstStyle/>
-                    <a:p>
-                      <a:r>
-                        <a:rPr lang="en-US" altLang="zh-CN" sz="1300" dirty="0" smtClean="0"/>
-                        <a:t>51.9%</a:t>
-                      </a:r>
-                      <a:endParaRPr lang="zh-CN" altLang="en-US" sz="1300" dirty="0"/>
-                    </a:p>
-                  </a:txBody>
-                  <a:tcPr marL="64770" marR="64770" marT="41910" marB="41910"/>
-                </a:tc>
-                <a:tc>
-                  <a:txBody>
-                    <a:bodyPr/>
-                    <a:lstStyle/>
-                    <a:p>
-                      <a:r>
-                        <a:rPr lang="en-US" altLang="zh-CN" sz="1300" dirty="0" smtClean="0"/>
-                        <a:t>41.1%</a:t>
-                      </a:r>
-                      <a:endParaRPr lang="zh-CN" altLang="en-US" sz="1300" dirty="0"/>
-                    </a:p>
-                  </a:txBody>
-                  <a:tcPr marL="64770" marR="64770" marT="41910" marB="41910"/>
-                </a:tc>
-                <a:tc>
-                  <a:txBody>
-                    <a:bodyPr/>
-                    <a:lstStyle/>
-                    <a:p>
-                      <a:r>
-                        <a:rPr lang="en-US" altLang="zh-CN" sz="1300" dirty="0" smtClean="0"/>
-                        <a:t>77.7%</a:t>
-                      </a:r>
-                      <a:endParaRPr lang="zh-CN" altLang="en-US" sz="1300" dirty="0"/>
-                    </a:p>
-                  </a:txBody>
-                  <a:tcPr marL="64770" marR="64770" marT="41910" marB="41910"/>
-                </a:tc>
-                <a:tc>
-                  <a:txBody>
-                    <a:bodyPr/>
-                    <a:lstStyle/>
-                    <a:p>
-                      <a:r>
-                        <a:rPr lang="en-US" altLang="zh-CN" sz="1300" dirty="0" smtClean="0"/>
-                        <a:t>65.3%</a:t>
-                      </a:r>
-                      <a:endParaRPr lang="zh-CN" altLang="en-US" sz="1300" dirty="0"/>
-                    </a:p>
-                  </a:txBody>
-                  <a:tcPr marL="64770" marR="64770" marT="41910" marB="41910"/>
-                </a:tc>
-                <a:tc>
-                  <a:txBody>
-                    <a:bodyPr/>
-                    <a:lstStyle/>
-                    <a:p>
-                      <a:r>
-                        <a:rPr lang="en-US" altLang="zh-CN" sz="1300" dirty="0" smtClean="0"/>
-                        <a:t>46.0%</a:t>
-                      </a:r>
-                      <a:endParaRPr lang="zh-CN" altLang="en-US" sz="1300" dirty="0"/>
-                    </a:p>
-                  </a:txBody>
-                  <a:tcPr marL="64770" marR="64770" marT="41910" marB="41910"/>
-                </a:tc>
-                <a:tc>
-                  <a:txBody>
-                    <a:bodyPr/>
-                    <a:lstStyle/>
-                    <a:p>
-                      <a:r>
-                        <a:rPr lang="en-US" altLang="zh-CN" sz="1300" dirty="0" smtClean="0"/>
-                        <a:t>71.0%</a:t>
-                      </a:r>
-                      <a:endParaRPr lang="zh-CN" altLang="en-US" sz="1300" dirty="0"/>
-                    </a:p>
-                  </a:txBody>
-                  <a:tcPr marL="64770" marR="64770" marT="41910" marB="41910"/>
-                </a:tc>
-              </a:tr>
-            </a:tbl>
-          </a:graphicData>
-        </a:graphic>
-      </p:graphicFrame>
-      <p:graphicFrame>
-        <p:nvGraphicFramePr>
-          <p:cNvPr id="39" name="表格 38"/>
-          <p:cNvGraphicFramePr>
-            <a:graphicFrameLocks noGrp="1"/>
-          </p:cNvGraphicFramePr>
-          <p:nvPr>
-            <p:extLst>
-              <p:ext uri="{D42A27DB-BD31-4B8C-83A1-F6EECF244321}">
-                <p14:modId xmlns:p14="http://schemas.microsoft.com/office/powerpoint/2010/main" val="3600048131"/>
-              </p:ext>
-            </p:extLst>
-          </p:nvPr>
-        </p:nvGraphicFramePr>
-        <p:xfrm>
-          <a:off x="22643070" y="12252050"/>
-          <a:ext cx="7753662" cy="1263610"/>
-        </p:xfrm>
-        <a:graphic>
-          <a:graphicData uri="http://schemas.openxmlformats.org/drawingml/2006/table">
-            <a:tbl>
-              <a:tblPr firstRow="1" bandRow="1">
-                <a:tableStyleId>{073A0DAA-6AF3-43AB-8588-CEC1D06C72B9}</a:tableStyleId>
-              </a:tblPr>
-              <a:tblGrid>
-                <a:gridCol w="861518"/>
-                <a:gridCol w="861518"/>
-                <a:gridCol w="861518"/>
-                <a:gridCol w="861518"/>
-                <a:gridCol w="861518"/>
-                <a:gridCol w="861518"/>
-                <a:gridCol w="861518"/>
-                <a:gridCol w="861518"/>
-                <a:gridCol w="861518"/>
-              </a:tblGrid>
-              <a:tr h="474980">
-                <a:tc>
-                  <a:txBody>
-                    <a:bodyPr/>
-                    <a:lstStyle/>
-                    <a:p>
-                      <a:endParaRPr lang="zh-CN" altLang="en-US" sz="1300" dirty="0"/>
-                    </a:p>
-                  </a:txBody>
-                  <a:tcPr marL="64770" marR="64770" marT="41910" marB="41910"/>
-                </a:tc>
-                <a:tc>
-                  <a:txBody>
-                    <a:bodyPr/>
-                    <a:lstStyle/>
-                    <a:p>
-                      <a:r>
-                        <a:rPr lang="en-US" altLang="zh-CN" sz="1300" b="1" i="0" u="none" strike="noStrike" cap="none" baseline="0" dirty="0" smtClean="0">
-                          <a:solidFill>
-                            <a:schemeClr val="lt1"/>
-                          </a:solidFill>
-                          <a:latin typeface="+mn-lt"/>
-                          <a:ea typeface="+mn-ea"/>
-                          <a:cs typeface="+mn-cs"/>
-                          <a:sym typeface="Arial"/>
-                          <a:rtl val="0"/>
-                        </a:rPr>
-                        <a:t>Health, Medicine</a:t>
-                      </a:r>
-                      <a:endParaRPr lang="zh-CN" altLang="en-US" sz="1300" dirty="0"/>
-                    </a:p>
-                  </a:txBody>
-                  <a:tcPr marL="64770" marR="64770" marT="41910" marB="41910"/>
-                </a:tc>
-                <a:tc>
-                  <a:txBody>
-                    <a:bodyPr/>
-                    <a:lstStyle/>
-                    <a:p>
-                      <a:r>
-                        <a:rPr lang="en-US" altLang="zh-CN" sz="1300" b="1" i="0" u="none" strike="noStrike" cap="none" baseline="0" dirty="0" smtClean="0">
-                          <a:solidFill>
-                            <a:schemeClr val="lt1"/>
-                          </a:solidFill>
-                          <a:latin typeface="+mn-lt"/>
-                          <a:ea typeface="+mn-ea"/>
-                          <a:cs typeface="+mn-cs"/>
-                          <a:sym typeface="Arial"/>
-                          <a:rtl val="0"/>
-                        </a:rPr>
-                        <a:t>Business</a:t>
-                      </a:r>
-                      <a:endParaRPr lang="zh-CN" altLang="en-US" sz="1300" dirty="0"/>
-                    </a:p>
-                  </a:txBody>
-                  <a:tcPr marL="64770" marR="64770" marT="41910" marB="41910"/>
-                </a:tc>
-                <a:tc>
-                  <a:txBody>
-                    <a:bodyPr/>
-                    <a:lstStyle/>
-                    <a:p>
-                      <a:r>
-                        <a:rPr lang="en-US" altLang="zh-CN" sz="1300" b="1" i="0" u="none" strike="noStrike" cap="none" baseline="0" dirty="0" smtClean="0">
-                          <a:solidFill>
-                            <a:schemeClr val="lt1"/>
-                          </a:solidFill>
-                          <a:latin typeface="+mn-lt"/>
-                          <a:ea typeface="+mn-ea"/>
-                          <a:cs typeface="+mn-cs"/>
-                          <a:sym typeface="Arial"/>
-                          <a:rtl val="0"/>
-                        </a:rPr>
-                        <a:t>Fashion, Clothing</a:t>
-                      </a:r>
-                      <a:endParaRPr lang="zh-CN" altLang="en-US" sz="1300" dirty="0"/>
-                    </a:p>
-                  </a:txBody>
-                  <a:tcPr marL="64770" marR="64770" marT="41910" marB="41910"/>
-                </a:tc>
-                <a:tc>
-                  <a:txBody>
-                    <a:bodyPr/>
-                    <a:lstStyle/>
-                    <a:p>
-                      <a:r>
-                        <a:rPr lang="en-US" altLang="zh-CN" sz="1300" b="1" i="0" u="none" strike="noStrike" cap="none" baseline="0" dirty="0" smtClean="0">
-                          <a:solidFill>
-                            <a:schemeClr val="lt1"/>
-                          </a:solidFill>
-                          <a:latin typeface="+mn-lt"/>
-                          <a:ea typeface="+mn-ea"/>
-                          <a:cs typeface="+mn-cs"/>
-                          <a:sym typeface="Arial"/>
-                          <a:rtl val="0"/>
-                        </a:rPr>
-                        <a:t>War, Military</a:t>
-                      </a:r>
-                      <a:endParaRPr lang="zh-CN" altLang="en-US" sz="1300" dirty="0"/>
-                    </a:p>
-                  </a:txBody>
-                  <a:tcPr marL="64770" marR="64770" marT="41910" marB="41910"/>
-                </a:tc>
-                <a:tc>
-                  <a:txBody>
-                    <a:bodyPr/>
-                    <a:lstStyle/>
-                    <a:p>
-                      <a:r>
-                        <a:rPr lang="en-US" altLang="zh-CN" sz="1300" b="1" i="0" u="none" strike="noStrike" cap="none" baseline="0" dirty="0" smtClean="0">
-                          <a:solidFill>
-                            <a:schemeClr val="lt1"/>
-                          </a:solidFill>
-                          <a:latin typeface="+mn-lt"/>
-                          <a:ea typeface="+mn-ea"/>
-                          <a:cs typeface="+mn-cs"/>
-                          <a:sym typeface="Arial"/>
-                          <a:rtl val="0"/>
-                        </a:rPr>
-                        <a:t>Education</a:t>
-                      </a:r>
-                      <a:endParaRPr lang="zh-CN" altLang="en-US" sz="1300" dirty="0"/>
-                    </a:p>
-                  </a:txBody>
-                  <a:tcPr marL="64770" marR="64770" marT="41910" marB="41910"/>
-                </a:tc>
-                <a:tc>
-                  <a:txBody>
-                    <a:bodyPr/>
-                    <a:lstStyle/>
-                    <a:p>
-                      <a:r>
-                        <a:rPr lang="en-US" altLang="zh-CN" sz="1300" b="1" i="0" u="none" strike="noStrike" cap="none" baseline="0" dirty="0" smtClean="0">
-                          <a:solidFill>
-                            <a:schemeClr val="lt1"/>
-                          </a:solidFill>
-                          <a:latin typeface="+mn-lt"/>
-                          <a:ea typeface="+mn-ea"/>
-                          <a:cs typeface="+mn-cs"/>
-                          <a:sym typeface="Arial"/>
-                          <a:rtl val="0"/>
-                        </a:rPr>
-                        <a:t>Music, Art, Movies</a:t>
-                      </a:r>
-                      <a:endParaRPr lang="zh-CN" altLang="en-US" sz="1300" dirty="0"/>
-                    </a:p>
-                  </a:txBody>
-                  <a:tcPr marL="64770" marR="64770" marT="41910" marB="41910"/>
-                </a:tc>
-                <a:tc>
-                  <a:txBody>
-                    <a:bodyPr/>
-                    <a:lstStyle/>
-                    <a:p>
-                      <a:r>
-                        <a:rPr lang="en-US" altLang="zh-CN" sz="1300" b="1" i="0" u="none" strike="noStrike" cap="none" baseline="0" dirty="0" smtClean="0">
-                          <a:solidFill>
-                            <a:schemeClr val="lt1"/>
-                          </a:solidFill>
-                          <a:latin typeface="+mn-lt"/>
-                          <a:ea typeface="+mn-ea"/>
-                          <a:cs typeface="+mn-cs"/>
-                          <a:sym typeface="Arial"/>
-                          <a:rtl val="0"/>
-                        </a:rPr>
-                        <a:t>Overall</a:t>
-                      </a:r>
-                      <a:endParaRPr lang="zh-CN" altLang="en-US" sz="1300" dirty="0"/>
-                    </a:p>
-                  </a:txBody>
-                  <a:tcPr marL="64770" marR="64770" marT="41910" marB="41910"/>
-                </a:tc>
-                <a:tc>
-                  <a:txBody>
-                    <a:bodyPr/>
-                    <a:lstStyle/>
-                    <a:p>
-                      <a:endParaRPr lang="zh-CN" altLang="en-US" sz="1300" dirty="0"/>
-                    </a:p>
-                  </a:txBody>
-                  <a:tcPr marL="64770" marR="64770" marT="41910" marB="41910"/>
-                </a:tc>
-              </a:tr>
-              <a:tr h="292715">
-                <a:tc>
-                  <a:txBody>
-                    <a:bodyPr/>
-                    <a:lstStyle/>
-                    <a:p>
-                      <a:r>
-                        <a:rPr lang="en-US" altLang="zh-CN" sz="1300" dirty="0" err="1" smtClean="0"/>
-                        <a:t>SemLoc</a:t>
-                      </a:r>
-                      <a:endParaRPr lang="zh-CN" altLang="en-US" sz="1300" dirty="0"/>
-                    </a:p>
-                  </a:txBody>
-                  <a:tcPr marL="64770" marR="64770" marT="41910" marB="41910"/>
-                </a:tc>
-                <a:tc>
-                  <a:txBody>
-                    <a:bodyPr/>
-                    <a:lstStyle/>
-                    <a:p>
-                      <a:r>
-                        <a:rPr lang="en-US" altLang="zh-CN" sz="1300" dirty="0" smtClean="0"/>
-                        <a:t>69.2%</a:t>
-                      </a:r>
-                      <a:endParaRPr lang="zh-CN" altLang="en-US" sz="1300" dirty="0"/>
-                    </a:p>
-                  </a:txBody>
-                  <a:tcPr marL="64770" marR="64770" marT="41910" marB="41910"/>
-                </a:tc>
-                <a:tc>
-                  <a:txBody>
-                    <a:bodyPr/>
-                    <a:lstStyle/>
-                    <a:p>
-                      <a:r>
-                        <a:rPr lang="en-US" altLang="zh-CN" sz="1300" dirty="0" smtClean="0"/>
-                        <a:t>35.7%</a:t>
-                      </a:r>
-                      <a:endParaRPr lang="zh-CN" altLang="en-US" sz="1300" dirty="0"/>
-                    </a:p>
-                  </a:txBody>
-                  <a:tcPr marL="64770" marR="64770" marT="41910" marB="41910"/>
-                </a:tc>
-                <a:tc>
-                  <a:txBody>
-                    <a:bodyPr/>
-                    <a:lstStyle/>
-                    <a:p>
-                      <a:r>
-                        <a:rPr lang="en-US" altLang="zh-CN" sz="1300" dirty="0" smtClean="0"/>
-                        <a:t>64.4%</a:t>
-                      </a:r>
-                      <a:endParaRPr lang="zh-CN" altLang="en-US" sz="1300" dirty="0"/>
-                    </a:p>
-                  </a:txBody>
-                  <a:tcPr marL="64770" marR="64770" marT="41910" marB="41910"/>
-                </a:tc>
-                <a:tc>
-                  <a:txBody>
-                    <a:bodyPr/>
-                    <a:lstStyle/>
-                    <a:p>
-                      <a:r>
-                        <a:rPr lang="en-US" altLang="zh-CN" sz="1300" dirty="0" smtClean="0"/>
-                        <a:t>62.3%</a:t>
-                      </a:r>
-                      <a:endParaRPr lang="zh-CN" altLang="en-US" sz="1300" dirty="0"/>
-                    </a:p>
-                  </a:txBody>
-                  <a:tcPr marL="64770" marR="64770" marT="41910" marB="41910"/>
-                </a:tc>
-                <a:tc>
-                  <a:txBody>
-                    <a:bodyPr/>
-                    <a:lstStyle/>
-                    <a:p>
-                      <a:r>
-                        <a:rPr lang="en-US" altLang="zh-CN" sz="1300" dirty="0" smtClean="0"/>
-                        <a:t>46.6%</a:t>
-                      </a:r>
-                      <a:endParaRPr lang="zh-CN" altLang="en-US" sz="1300" dirty="0"/>
-                    </a:p>
-                  </a:txBody>
-                  <a:tcPr marL="64770" marR="64770" marT="41910" marB="41910"/>
-                </a:tc>
-                <a:tc>
-                  <a:txBody>
-                    <a:bodyPr/>
-                    <a:lstStyle/>
-                    <a:p>
-                      <a:r>
-                        <a:rPr lang="en-US" altLang="zh-CN" sz="1300" dirty="0" smtClean="0"/>
-                        <a:t>78.6%</a:t>
-                      </a:r>
-                      <a:endParaRPr lang="zh-CN" altLang="en-US" sz="1300" dirty="0"/>
-                    </a:p>
-                  </a:txBody>
-                  <a:tcPr marL="64770" marR="64770" marT="41910" marB="41910"/>
-                </a:tc>
-                <a:tc>
-                  <a:txBody>
-                    <a:bodyPr/>
-                    <a:lstStyle/>
-                    <a:p>
-                      <a:r>
-                        <a:rPr lang="en-US" altLang="zh-CN" sz="1300" dirty="0" smtClean="0"/>
-                        <a:t>73.8%</a:t>
-                      </a:r>
-                      <a:endParaRPr lang="zh-CN" altLang="en-US" sz="1300" dirty="0"/>
-                    </a:p>
-                  </a:txBody>
-                  <a:tcPr marL="64770" marR="64770" marT="41910" marB="41910"/>
-                </a:tc>
-                <a:tc>
-                  <a:txBody>
-                    <a:bodyPr/>
-                    <a:lstStyle/>
-                    <a:p>
-                      <a:endParaRPr lang="zh-CN" altLang="en-US" sz="1300" dirty="0"/>
-                    </a:p>
-                  </a:txBody>
-                  <a:tcPr marL="64770" marR="64770" marT="41910" marB="41910"/>
-                </a:tc>
-              </a:tr>
-              <a:tr h="292715">
-                <a:tc>
-                  <a:txBody>
-                    <a:bodyPr/>
-                    <a:lstStyle/>
-                    <a:p>
-                      <a:r>
-                        <a:rPr lang="en-US" altLang="zh-CN" sz="1300" dirty="0" err="1" smtClean="0"/>
-                        <a:t>MaxEnt</a:t>
-                      </a:r>
-                      <a:endParaRPr lang="zh-CN" altLang="en-US" sz="1300" dirty="0"/>
-                    </a:p>
-                  </a:txBody>
-                  <a:tcPr marL="64770" marR="64770" marT="41910" marB="41910"/>
-                </a:tc>
-                <a:tc>
-                  <a:txBody>
-                    <a:bodyPr/>
-                    <a:lstStyle/>
-                    <a:p>
-                      <a:r>
-                        <a:rPr lang="en-US" altLang="zh-CN" sz="1300" dirty="0" smtClean="0"/>
-                        <a:t>42.1%</a:t>
-                      </a:r>
-                      <a:endParaRPr lang="zh-CN" altLang="en-US" sz="1300" dirty="0"/>
-                    </a:p>
-                  </a:txBody>
-                  <a:tcPr marL="64770" marR="64770" marT="41910" marB="41910"/>
-                </a:tc>
-                <a:tc>
-                  <a:txBody>
-                    <a:bodyPr/>
-                    <a:lstStyle/>
-                    <a:p>
-                      <a:r>
-                        <a:rPr lang="en-US" altLang="zh-CN" sz="1300" dirty="0" smtClean="0"/>
-                        <a:t>31.8%</a:t>
-                      </a:r>
-                      <a:endParaRPr lang="zh-CN" altLang="en-US" sz="1300" dirty="0"/>
-                    </a:p>
-                  </a:txBody>
-                  <a:tcPr marL="64770" marR="64770" marT="41910" marB="41910"/>
-                </a:tc>
-                <a:tc>
-                  <a:txBody>
-                    <a:bodyPr/>
-                    <a:lstStyle/>
-                    <a:p>
-                      <a:r>
-                        <a:rPr lang="en-US" altLang="zh-CN" sz="1300" dirty="0" smtClean="0"/>
-                        <a:t>62.8%</a:t>
-                      </a:r>
-                      <a:endParaRPr lang="zh-CN" altLang="en-US" sz="1300" dirty="0"/>
-                    </a:p>
-                  </a:txBody>
-                  <a:tcPr marL="64770" marR="64770" marT="41910" marB="41910"/>
-                </a:tc>
-                <a:tc>
-                  <a:txBody>
-                    <a:bodyPr/>
-                    <a:lstStyle/>
-                    <a:p>
-                      <a:r>
-                        <a:rPr lang="en-US" altLang="zh-CN" sz="1300" dirty="0" smtClean="0"/>
-                        <a:t>41.0%</a:t>
-                      </a:r>
-                      <a:endParaRPr lang="zh-CN" altLang="en-US" sz="1300" dirty="0"/>
-                    </a:p>
-                  </a:txBody>
-                  <a:tcPr marL="64770" marR="64770" marT="41910" marB="41910"/>
-                </a:tc>
-                <a:tc>
-                  <a:txBody>
-                    <a:bodyPr/>
-                    <a:lstStyle/>
-                    <a:p>
-                      <a:r>
-                        <a:rPr lang="en-US" altLang="zh-CN" sz="1300" dirty="0" smtClean="0"/>
-                        <a:t>47.4%</a:t>
-                      </a:r>
-                      <a:endParaRPr lang="zh-CN" altLang="en-US" sz="1300" dirty="0"/>
-                    </a:p>
-                  </a:txBody>
-                  <a:tcPr marL="64770" marR="64770" marT="41910" marB="41910"/>
-                </a:tc>
-                <a:tc>
-                  <a:txBody>
-                    <a:bodyPr/>
-                    <a:lstStyle/>
-                    <a:p>
-                      <a:r>
-                        <a:rPr lang="en-US" altLang="zh-CN" sz="1300" dirty="0" smtClean="0"/>
-                        <a:t>52.6%</a:t>
-                      </a:r>
-                      <a:endParaRPr lang="zh-CN" altLang="en-US" sz="1300" dirty="0"/>
-                    </a:p>
-                  </a:txBody>
-                  <a:tcPr marL="64770" marR="64770" marT="41910" marB="41910"/>
-                </a:tc>
-                <a:tc>
-                  <a:txBody>
-                    <a:bodyPr/>
-                    <a:lstStyle/>
-                    <a:p>
-                      <a:r>
-                        <a:rPr lang="en-US" altLang="zh-CN" sz="1300" dirty="0" smtClean="0"/>
-                        <a:t>52.3%</a:t>
-                      </a:r>
-                      <a:endParaRPr lang="zh-CN" altLang="en-US" sz="1300" dirty="0"/>
-                    </a:p>
-                  </a:txBody>
-                  <a:tcPr marL="64770" marR="64770" marT="41910" marB="41910"/>
-                </a:tc>
-                <a:tc>
-                  <a:txBody>
-                    <a:bodyPr/>
-                    <a:lstStyle/>
-                    <a:p>
-                      <a:endParaRPr lang="zh-CN" altLang="en-US" sz="1300" dirty="0"/>
-                    </a:p>
-                  </a:txBody>
-                  <a:tcPr marL="64770" marR="64770" marT="41910" marB="41910"/>
-                </a:tc>
-              </a:tr>
-            </a:tbl>
-          </a:graphicData>
-        </a:graphic>
-      </p:graphicFrame>
-      <p:cxnSp>
-        <p:nvCxnSpPr>
-          <p:cNvPr id="15" name="直线箭头连接符 14"/>
-          <p:cNvCxnSpPr/>
+      <p:pic>
+        <p:nvPicPr>
+          <p:cNvPr id="7" name="Picture 6" descr="2.png"/>
+          <p:cNvPicPr>
+            <a:picLocks noChangeAspect="1"/>
+          </p:cNvPicPr>
           <p:nvPr/>
-        </p:nvCxnSpPr>
+        </p:nvPicPr>
+        <p:blipFill>
+          <a:blip r:embed="rId8">
+            <a:extLst>
+              <a:ext uri="{28A0092B-C50C-407E-A947-70E740481C1C}">
+                <a14:useLocalDpi xmlns:a14="http://schemas.microsoft.com/office/drawing/2010/main" val="0"/>
+              </a:ext>
+            </a:extLst>
+          </a:blip>
+          <a:stretch>
+            <a:fillRect/>
+          </a:stretch>
+        </p:blipFill>
         <p:spPr>
-          <a:xfrm flipH="1">
-            <a:off x="10509471" y="15190526"/>
-            <a:ext cx="1075081" cy="908593"/>
+          <a:xfrm>
+            <a:off x="1982774" y="17532746"/>
+            <a:ext cx="4165473" cy="2055495"/>
           </a:xfrm>
-          <a:prstGeom prst="straightConnector1">
+          <a:prstGeom prst="rect">
             <a:avLst/>
           </a:prstGeom>
-          <a:ln w="133350">
-            <a:solidFill>
-              <a:schemeClr val="bg2"/>
-            </a:solidFill>
-            <a:tailEnd type="arrow"/>
+        </p:spPr>
+      </p:pic>
+      <p:pic>
+        <p:nvPicPr>
+          <p:cNvPr id="11" name="Picture 10" descr="1.png"/>
+          <p:cNvPicPr>
+            <a:picLocks noChangeAspect="1"/>
+          </p:cNvPicPr>
+          <p:nvPr/>
+        </p:nvPicPr>
+        <p:blipFill>
+          <a:blip r:embed="rId9">
+            <a:extLst>
+              <a:ext uri="{28A0092B-C50C-407E-A947-70E740481C1C}">
+                <a14:useLocalDpi xmlns:a14="http://schemas.microsoft.com/office/drawing/2010/main" val="0"/>
+              </a:ext>
+            </a:extLst>
+          </a:blip>
+          <a:stretch>
+            <a:fillRect/>
+          </a:stretch>
+        </p:blipFill>
+        <p:spPr>
+          <a:xfrm>
+            <a:off x="975545" y="8249377"/>
+            <a:ext cx="1237488" cy="1194816"/>
+          </a:xfrm>
+          <a:prstGeom prst="rect">
+            <a:avLst/>
+          </a:prstGeom>
+        </p:spPr>
+      </p:pic>
+      <p:pic>
+        <p:nvPicPr>
+          <p:cNvPr id="13" name="Picture 12" descr="arch.png"/>
+          <p:cNvPicPr>
+            <a:picLocks noChangeAspect="1"/>
+          </p:cNvPicPr>
+          <p:nvPr/>
+        </p:nvPicPr>
+        <p:blipFill>
+          <a:blip r:embed="rId10">
+            <a:extLst>
+              <a:ext uri="{28A0092B-C50C-407E-A947-70E740481C1C}">
+                <a14:useLocalDpi xmlns:a14="http://schemas.microsoft.com/office/drawing/2010/main" val="0"/>
+              </a:ext>
+            </a:extLst>
+          </a:blip>
+          <a:stretch>
+            <a:fillRect/>
+          </a:stretch>
+        </p:blipFill>
+        <p:spPr>
+          <a:xfrm>
+            <a:off x="11025507" y="4101932"/>
+            <a:ext cx="7999808" cy="5912998"/>
+          </a:xfrm>
+          <a:prstGeom prst="rect">
+            <a:avLst/>
+          </a:prstGeom>
+        </p:spPr>
+      </p:pic>
+      <p:pic>
+        <p:nvPicPr>
+          <p:cNvPr id="14" name="Picture 13" descr="2.png"/>
+          <p:cNvPicPr>
+            <a:picLocks noChangeAspect="1"/>
+          </p:cNvPicPr>
+          <p:nvPr/>
+        </p:nvPicPr>
+        <p:blipFill>
+          <a:blip r:embed="rId11">
+            <a:extLst>
+              <a:ext uri="{28A0092B-C50C-407E-A947-70E740481C1C}">
+                <a14:useLocalDpi xmlns:a14="http://schemas.microsoft.com/office/drawing/2010/main" val="0"/>
+              </a:ext>
+            </a:extLst>
+          </a:blip>
+          <a:stretch>
+            <a:fillRect/>
+          </a:stretch>
+        </p:blipFill>
+        <p:spPr>
+          <a:xfrm>
+            <a:off x="6139939" y="8187183"/>
+            <a:ext cx="1645920" cy="1365504"/>
+          </a:xfrm>
+          <a:prstGeom prst="rect">
+            <a:avLst/>
+          </a:prstGeom>
+        </p:spPr>
+      </p:pic>
+      <p:pic>
+        <p:nvPicPr>
+          <p:cNvPr id="15" name="Picture 14" descr="exp_setup.png"/>
+          <p:cNvPicPr>
+            <a:picLocks noChangeAspect="1"/>
+          </p:cNvPicPr>
+          <p:nvPr/>
+        </p:nvPicPr>
+        <p:blipFill>
+          <a:blip r:embed="rId12">
+            <a:extLst>
+              <a:ext uri="{28A0092B-C50C-407E-A947-70E740481C1C}">
+                <a14:useLocalDpi xmlns:a14="http://schemas.microsoft.com/office/drawing/2010/main" val="0"/>
+              </a:ext>
+            </a:extLst>
+          </a:blip>
+          <a:stretch>
+            <a:fillRect/>
+          </a:stretch>
+        </p:blipFill>
+        <p:spPr>
+          <a:xfrm>
+            <a:off x="21533346" y="4597168"/>
+            <a:ext cx="4157093" cy="2362011"/>
+          </a:xfrm>
+          <a:prstGeom prst="rect">
+            <a:avLst/>
+          </a:prstGeom>
+        </p:spPr>
+      </p:pic>
+      <p:pic>
+        <p:nvPicPr>
+          <p:cNvPr id="65" name="Picture 64" descr="3.png"/>
+          <p:cNvPicPr>
+            <a:picLocks noChangeAspect="1"/>
+          </p:cNvPicPr>
+          <p:nvPr/>
+        </p:nvPicPr>
+        <p:blipFill>
+          <a:blip r:embed="rId13">
+            <a:extLst>
+              <a:ext uri="{28A0092B-C50C-407E-A947-70E740481C1C}">
+                <a14:useLocalDpi xmlns:a14="http://schemas.microsoft.com/office/drawing/2010/main" val="0"/>
+              </a:ext>
+            </a:extLst>
+          </a:blip>
+          <a:stretch>
+            <a:fillRect/>
+          </a:stretch>
+        </p:blipFill>
+        <p:spPr>
+          <a:xfrm>
+            <a:off x="9434575" y="12417490"/>
+            <a:ext cx="5215890" cy="4842320"/>
+          </a:xfrm>
+          <a:prstGeom prst="rect">
+            <a:avLst/>
+          </a:prstGeom>
+        </p:spPr>
+      </p:pic>
+      <p:sp>
+        <p:nvSpPr>
+          <p:cNvPr id="66" name="Shape 34"/>
+          <p:cNvSpPr txBox="1"/>
+          <p:nvPr/>
+        </p:nvSpPr>
+        <p:spPr>
+          <a:xfrm>
+            <a:off x="9992800" y="11570797"/>
+            <a:ext cx="10567289" cy="865605"/>
+          </a:xfrm>
+          <a:prstGeom prst="rect">
+            <a:avLst/>
+          </a:prstGeom>
+          <a:noFill/>
+          <a:ln>
+            <a:noFill/>
           </a:ln>
         </p:spPr>
-        <p:style>
-          <a:lnRef idx="2">
-            <a:schemeClr val="accent1"/>
-          </a:lnRef>
-          <a:fillRef idx="0">
-            <a:schemeClr val="accent1"/>
-          </a:fillRef>
-          <a:effectRef idx="1">
-            <a:schemeClr val="accent1"/>
-          </a:effectRef>
-          <a:fontRef idx="minor">
-            <a:schemeClr val="tx1"/>
-          </a:fontRef>
-        </p:style>
-      </p:cxnSp>
-      <p:cxnSp>
-        <p:nvCxnSpPr>
-          <p:cNvPr id="17" name="直线箭头连接符 16"/>
-          <p:cNvCxnSpPr/>
+        <p:txBody>
+          <a:bodyPr lIns="177782" tIns="177782" rIns="177782" bIns="177782" anchor="ctr" anchorCtr="1">
+            <a:noAutofit/>
+          </a:bodyPr>
+          <a:lstStyle/>
+          <a:p>
+            <a:pPr>
+              <a:buClr>
+                <a:schemeClr val="dk1"/>
+              </a:buClr>
+              <a:buSzPct val="25000"/>
+            </a:pPr>
+            <a:r>
+              <a:rPr lang="en-US" sz="3200" dirty="0" err="1">
+                <a:solidFill>
+                  <a:schemeClr val="dk1"/>
+                </a:solidFill>
+                <a:latin typeface="Impact"/>
+                <a:ea typeface="Impact"/>
+                <a:cs typeface="Impact"/>
+                <a:sym typeface="Impact"/>
+              </a:rPr>
+              <a:t>QoSManager</a:t>
+            </a:r>
+            <a:r>
+              <a:rPr lang="en-US" sz="3200" dirty="0">
+                <a:solidFill>
+                  <a:schemeClr val="dk1"/>
+                </a:solidFill>
+                <a:latin typeface="Impact"/>
+                <a:ea typeface="Impact"/>
+                <a:cs typeface="Impact"/>
+                <a:sym typeface="Impact"/>
+              </a:rPr>
+              <a:t> </a:t>
+            </a:r>
+            <a:r>
+              <a:rPr lang="en-US" sz="3200" dirty="0" smtClean="0">
+                <a:solidFill>
+                  <a:schemeClr val="dk1"/>
+                </a:solidFill>
+                <a:latin typeface="Impact"/>
+                <a:ea typeface="Impact"/>
+                <a:cs typeface="Impact"/>
+                <a:sym typeface="Impact"/>
+              </a:rPr>
+              <a:t>TRAFFIC SHAPING</a:t>
+            </a:r>
+            <a:endParaRPr lang="en-US" sz="3200" dirty="0">
+              <a:solidFill>
+                <a:schemeClr val="dk1"/>
+              </a:solidFill>
+              <a:latin typeface="Impact"/>
+              <a:ea typeface="Impact"/>
+              <a:cs typeface="Impact"/>
+              <a:sym typeface="Impact"/>
+            </a:endParaRPr>
+          </a:p>
+        </p:txBody>
+      </p:sp>
+      <p:sp>
+        <p:nvSpPr>
+          <p:cNvPr id="67" name="Shape 26"/>
+          <p:cNvSpPr txBox="1"/>
           <p:nvPr/>
-        </p:nvCxnSpPr>
+        </p:nvSpPr>
         <p:spPr>
           <a:xfrm>
-            <a:off x="7986319" y="15304100"/>
-            <a:ext cx="1272545" cy="823412"/>
+            <a:off x="9317611" y="17298132"/>
+            <a:ext cx="5853908" cy="1956336"/>
           </a:xfrm>
-          <a:prstGeom prst="straightConnector1">
+          <a:prstGeom prst="rect">
             <a:avLst/>
           </a:prstGeom>
-          <a:ln w="133350">
-            <a:solidFill>
-              <a:schemeClr val="bg2"/>
-            </a:solidFill>
-            <a:tailEnd type="arrow"/>
+          <a:noFill/>
+          <a:ln>
+            <a:noFill/>
           </a:ln>
         </p:spPr>
-        <p:style>
-          <a:lnRef idx="2">
-            <a:schemeClr val="accent1"/>
-          </a:lnRef>
-          <a:fillRef idx="0">
-            <a:schemeClr val="accent1"/>
-          </a:fillRef>
-          <a:effectRef idx="1">
-            <a:schemeClr val="accent1"/>
-          </a:effectRef>
-          <a:fontRef idx="minor">
-            <a:schemeClr val="tx1"/>
-          </a:fontRef>
-        </p:style>
-      </p:cxnSp>
+        <p:txBody>
+          <a:bodyPr lIns="177782" tIns="177782" rIns="177782" bIns="177782" anchor="t" anchorCtr="0">
+            <a:noAutofit/>
+          </a:bodyPr>
+          <a:lstStyle/>
+          <a:p>
+            <a:pPr marL="457200" indent="-457200">
+              <a:buFont typeface="Wingdings" charset="2"/>
+              <a:buChar char="§"/>
+            </a:pPr>
+            <a:r>
+              <a:rPr lang="en-US" sz="2600" dirty="0" smtClean="0"/>
+              <a:t>Flows without </a:t>
+            </a:r>
+            <a:r>
+              <a:rPr lang="en-US" sz="2600" dirty="0" err="1" smtClean="0"/>
+              <a:t>QoS</a:t>
+            </a:r>
+            <a:r>
+              <a:rPr lang="en-US" sz="2600" dirty="0" smtClean="0"/>
+              <a:t> are assigned to q</a:t>
+            </a:r>
+            <a:r>
+              <a:rPr lang="en-US" sz="2600" baseline="-25000" dirty="0" smtClean="0"/>
+              <a:t>0</a:t>
+            </a:r>
+            <a:endParaRPr lang="en-US" sz="2600" dirty="0" smtClean="0"/>
+          </a:p>
+          <a:p>
+            <a:pPr marL="457200" indent="-457200">
+              <a:buFont typeface="Wingdings" charset="2"/>
+              <a:buChar char="§"/>
+            </a:pPr>
+            <a:r>
+              <a:rPr lang="en-US" sz="2600" dirty="0" smtClean="0"/>
+              <a:t>Flows with </a:t>
+            </a:r>
+            <a:r>
+              <a:rPr lang="en-US" sz="2600" dirty="0" err="1" smtClean="0"/>
+              <a:t>QoS</a:t>
+            </a:r>
+            <a:r>
+              <a:rPr lang="en-US" sz="2600" dirty="0" smtClean="0"/>
+              <a:t> are assigned to appropriate queues for per-flow rate control</a:t>
+            </a:r>
+          </a:p>
+          <a:p>
+            <a:endParaRPr lang="en-US" sz="2600" dirty="0"/>
+          </a:p>
+        </p:txBody>
+      </p:sp>
+      <p:sp>
+        <p:nvSpPr>
+          <p:cNvPr id="68" name="Shape 26"/>
+          <p:cNvSpPr txBox="1"/>
+          <p:nvPr/>
+        </p:nvSpPr>
+        <p:spPr>
+          <a:xfrm>
+            <a:off x="14793947" y="12405245"/>
+            <a:ext cx="5697901" cy="3622984"/>
+          </a:xfrm>
+          <a:prstGeom prst="rect">
+            <a:avLst/>
+          </a:prstGeom>
+          <a:noFill/>
+          <a:ln>
+            <a:noFill/>
+          </a:ln>
+        </p:spPr>
+        <p:txBody>
+          <a:bodyPr lIns="177782" tIns="177782" rIns="177782" bIns="177782" anchor="t" anchorCtr="0">
+            <a:noAutofit/>
+          </a:bodyPr>
+          <a:lstStyle/>
+          <a:p>
+            <a:pPr marL="457200" indent="-457200">
+              <a:buFont typeface="Wingdings" charset="2"/>
+              <a:buChar char="§"/>
+            </a:pPr>
+            <a:r>
+              <a:rPr lang="en-US" sz="2600" dirty="0"/>
+              <a:t>The optimization of the </a:t>
+            </a:r>
+            <a:r>
+              <a:rPr lang="en-US" sz="2600" dirty="0" err="1"/>
+              <a:t>QoS</a:t>
+            </a:r>
+            <a:r>
+              <a:rPr lang="en-US" sz="2600" dirty="0"/>
+              <a:t> utility function is very similar to the Knapsack problem</a:t>
+            </a:r>
+          </a:p>
+          <a:p>
+            <a:pPr marL="457200" indent="-457200">
+              <a:buFont typeface="Wingdings" charset="2"/>
+              <a:buChar char="§"/>
+            </a:pPr>
+            <a:r>
+              <a:rPr lang="en-US" sz="2600" dirty="0" smtClean="0"/>
+              <a:t>First </a:t>
+            </a:r>
+            <a:r>
+              <a:rPr lang="en-US" sz="2600" dirty="0" smtClean="0"/>
+              <a:t>sort flows by timestamp and priority to avoid </a:t>
+            </a:r>
+            <a:r>
+              <a:rPr lang="en-US" sz="2600" dirty="0" smtClean="0"/>
+              <a:t>fluctuation</a:t>
+            </a:r>
+          </a:p>
+          <a:p>
+            <a:pPr marL="457200" indent="-457200">
+              <a:buFont typeface="Wingdings" charset="2"/>
+              <a:buChar char="§"/>
+            </a:pPr>
+            <a:r>
+              <a:rPr lang="en-US" sz="2600" dirty="0" smtClean="0"/>
+              <a:t>Then </a:t>
+            </a:r>
+            <a:r>
+              <a:rPr lang="en-US" sz="2600" dirty="0" smtClean="0"/>
+              <a:t>use DFS to compute the optimal </a:t>
+            </a:r>
+            <a:r>
+              <a:rPr lang="en-US" sz="2600" dirty="0" smtClean="0"/>
+              <a:t>assignment</a:t>
+            </a:r>
+          </a:p>
+          <a:p>
+            <a:pPr marL="457200" indent="-457200">
+              <a:buFont typeface="Wingdings" charset="2"/>
+              <a:buChar char="§"/>
+            </a:pPr>
+            <a:endParaRPr lang="en-US" sz="2600" dirty="0"/>
+          </a:p>
+          <a:p>
+            <a:pPr marL="457200" indent="-457200">
+              <a:buFont typeface="Wingdings" charset="2"/>
+              <a:buChar char="§"/>
+            </a:pPr>
+            <a:endParaRPr lang="en-US" sz="2600" dirty="0" smtClean="0"/>
+          </a:p>
+          <a:p>
+            <a:pPr marL="457200" indent="-457200">
+              <a:buFont typeface="Wingdings" charset="2"/>
+              <a:buChar char="§"/>
+            </a:pPr>
+            <a:endParaRPr lang="en-US" sz="2600" dirty="0" smtClean="0"/>
+          </a:p>
+          <a:p>
+            <a:pPr marL="457200" indent="-457200">
+              <a:buFont typeface="Wingdings" charset="2"/>
+              <a:buChar char="§"/>
+            </a:pPr>
+            <a:endParaRPr lang="en-US" sz="2600" dirty="0"/>
+          </a:p>
+          <a:p>
+            <a:pPr marL="457200" indent="-457200">
+              <a:buFont typeface="Wingdings" charset="2"/>
+              <a:buChar char="§"/>
+            </a:pPr>
+            <a:endParaRPr lang="en-US" sz="2600" dirty="0" smtClean="0"/>
+          </a:p>
+          <a:p>
+            <a:pPr marL="457200" indent="-457200">
+              <a:buFont typeface="Wingdings" charset="2"/>
+              <a:buChar char="§"/>
+            </a:pPr>
+            <a:endParaRPr lang="en-US" sz="2600" dirty="0" smtClean="0"/>
+          </a:p>
+          <a:p>
+            <a:pPr marL="457200" indent="-457200">
+              <a:buFont typeface="Wingdings" charset="2"/>
+              <a:buChar char="§"/>
+            </a:pPr>
+            <a:endParaRPr lang="en-US" sz="2600" dirty="0"/>
+          </a:p>
+        </p:txBody>
+      </p:sp>
+      <p:pic>
+        <p:nvPicPr>
+          <p:cNvPr id="6" name="Picture 5" descr="assign_queue (1).png"/>
+          <p:cNvPicPr>
+            <a:picLocks noChangeAspect="1"/>
+          </p:cNvPicPr>
+          <p:nvPr/>
+        </p:nvPicPr>
+        <p:blipFill>
+          <a:blip r:embed="rId14">
+            <a:extLst>
+              <a:ext uri="{28A0092B-C50C-407E-A947-70E740481C1C}">
+                <a14:useLocalDpi xmlns:a14="http://schemas.microsoft.com/office/drawing/2010/main" val="0"/>
+              </a:ext>
+            </a:extLst>
+          </a:blip>
+          <a:stretch>
+            <a:fillRect/>
+          </a:stretch>
+        </p:blipFill>
+        <p:spPr>
+          <a:xfrm>
+            <a:off x="14793474" y="15585042"/>
+            <a:ext cx="5797790" cy="3538783"/>
+          </a:xfrm>
+          <a:prstGeom prst="rect">
+            <a:avLst/>
+          </a:prstGeom>
+        </p:spPr>
+      </p:pic>
+      <p:pic>
+        <p:nvPicPr>
+          <p:cNvPr id="10" name="Picture 9" descr="s2_qos.eps"/>
+          <p:cNvPicPr>
+            <a:picLocks noChangeAspect="1"/>
+          </p:cNvPicPr>
+          <p:nvPr/>
+        </p:nvPicPr>
+        <p:blipFill>
+          <a:blip r:embed="rId15">
+            <a:extLst>
+              <a:ext uri="{28A0092B-C50C-407E-A947-70E740481C1C}">
+                <a14:useLocalDpi xmlns:a14="http://schemas.microsoft.com/office/drawing/2010/main" val="0"/>
+              </a:ext>
+            </a:extLst>
+          </a:blip>
+          <a:stretch>
+            <a:fillRect/>
+          </a:stretch>
+        </p:blipFill>
+        <p:spPr>
+          <a:xfrm rot="5400000">
+            <a:off x="21580612" y="6859141"/>
+            <a:ext cx="3730752" cy="4828032"/>
+          </a:xfrm>
+          <a:prstGeom prst="rect">
+            <a:avLst/>
+          </a:prstGeom>
+        </p:spPr>
+      </p:pic>
+      <p:pic>
+        <p:nvPicPr>
+          <p:cNvPr id="12" name="Picture 11" descr="s2_no_qos.eps"/>
+          <p:cNvPicPr>
+            <a:picLocks noChangeAspect="1"/>
+          </p:cNvPicPr>
+          <p:nvPr/>
+        </p:nvPicPr>
+        <p:blipFill>
+          <a:blip r:embed="rId16">
+            <a:extLst>
+              <a:ext uri="{28A0092B-C50C-407E-A947-70E740481C1C}">
+                <a14:useLocalDpi xmlns:a14="http://schemas.microsoft.com/office/drawing/2010/main" val="0"/>
+              </a:ext>
+            </a:extLst>
+          </a:blip>
+          <a:stretch>
+            <a:fillRect/>
+          </a:stretch>
+        </p:blipFill>
+        <p:spPr>
+          <a:xfrm rot="5400000">
+            <a:off x="26214447" y="6859141"/>
+            <a:ext cx="3730752" cy="4828032"/>
+          </a:xfrm>
+          <a:prstGeom prst="rect">
+            <a:avLst/>
+          </a:prstGeom>
+        </p:spPr>
+      </p:pic>
+      <p:pic>
+        <p:nvPicPr>
+          <p:cNvPr id="16" name="Picture 15" descr="s3_qos.eps"/>
+          <p:cNvPicPr>
+            <a:picLocks noChangeAspect="1"/>
+          </p:cNvPicPr>
+          <p:nvPr/>
+        </p:nvPicPr>
+        <p:blipFill>
+          <a:blip r:embed="rId17">
+            <a:extLst>
+              <a:ext uri="{28A0092B-C50C-407E-A947-70E740481C1C}">
+                <a14:useLocalDpi xmlns:a14="http://schemas.microsoft.com/office/drawing/2010/main" val="0"/>
+              </a:ext>
+            </a:extLst>
+          </a:blip>
+          <a:stretch>
+            <a:fillRect/>
+          </a:stretch>
+        </p:blipFill>
+        <p:spPr>
+          <a:xfrm rot="5400000">
+            <a:off x="21614937" y="11389604"/>
+            <a:ext cx="3730752" cy="4828032"/>
+          </a:xfrm>
+          <a:prstGeom prst="rect">
+            <a:avLst/>
+          </a:prstGeom>
+        </p:spPr>
+      </p:pic>
+      <p:pic>
+        <p:nvPicPr>
+          <p:cNvPr id="17" name="Picture 16" descr="s3_no_qos.eps"/>
+          <p:cNvPicPr>
+            <a:picLocks noChangeAspect="1"/>
+          </p:cNvPicPr>
+          <p:nvPr/>
+        </p:nvPicPr>
+        <p:blipFill>
+          <a:blip r:embed="rId18">
+            <a:extLst>
+              <a:ext uri="{28A0092B-C50C-407E-A947-70E740481C1C}">
+                <a14:useLocalDpi xmlns:a14="http://schemas.microsoft.com/office/drawing/2010/main" val="0"/>
+              </a:ext>
+            </a:extLst>
+          </a:blip>
+          <a:stretch>
+            <a:fillRect/>
+          </a:stretch>
+        </p:blipFill>
+        <p:spPr>
+          <a:xfrm rot="5400000">
+            <a:off x="26214447" y="11423925"/>
+            <a:ext cx="3730752" cy="4828032"/>
+          </a:xfrm>
+          <a:prstGeom prst="rect">
+            <a:avLst/>
+          </a:prstGeom>
+        </p:spPr>
+      </p:pic>
+      <p:sp>
+        <p:nvSpPr>
+          <p:cNvPr id="64" name="TextBox 63"/>
+          <p:cNvSpPr txBox="1"/>
+          <p:nvPr/>
+        </p:nvSpPr>
+        <p:spPr>
+          <a:xfrm>
+            <a:off x="16384001" y="19052430"/>
+            <a:ext cx="184666" cy="492443"/>
+          </a:xfrm>
+          <a:prstGeom prst="rect">
+            <a:avLst/>
+          </a:prstGeom>
+          <a:noFill/>
+        </p:spPr>
+        <p:txBody>
+          <a:bodyPr wrap="none" rtlCol="0">
+            <a:spAutoFit/>
+          </a:bodyPr>
+          <a:lstStyle/>
+          <a:p>
+            <a:endParaRPr lang="en-US" sz="2600" dirty="0"/>
+          </a:p>
+        </p:txBody>
+      </p:sp>
+      <p:sp>
+        <p:nvSpPr>
+          <p:cNvPr id="71" name="TextBox 70"/>
+          <p:cNvSpPr txBox="1"/>
+          <p:nvPr/>
+        </p:nvSpPr>
+        <p:spPr>
+          <a:xfrm>
+            <a:off x="15457234" y="19052430"/>
+            <a:ext cx="4119161" cy="400110"/>
+          </a:xfrm>
+          <a:prstGeom prst="rect">
+            <a:avLst/>
+          </a:prstGeom>
+          <a:noFill/>
+        </p:spPr>
+        <p:txBody>
+          <a:bodyPr wrap="none" rtlCol="0">
+            <a:spAutoFit/>
+          </a:bodyPr>
+          <a:lstStyle/>
+          <a:p>
+            <a:r>
+              <a:rPr lang="en-US" sz="2000" dirty="0"/>
+              <a:t> </a:t>
+            </a:r>
+            <a:r>
+              <a:rPr lang="en-US" sz="2000" dirty="0" err="1"/>
+              <a:t>QoSManager</a:t>
+            </a:r>
+            <a:r>
+              <a:rPr lang="en-US" sz="2000" dirty="0"/>
+              <a:t> per-flow rate control</a:t>
+            </a:r>
+            <a:endParaRPr lang="en-US" sz="2000" dirty="0"/>
+          </a:p>
+        </p:txBody>
+      </p:sp>
     </p:spTree>
   </p:cSld>
   <p:clrMapOvr>
